--- a/Final Project.pptx
+++ b/Final Project.pptx
@@ -9,24 +9,23 @@
     <p:sldId id="257" r:id="rId3"/>
     <p:sldId id="260" r:id="rId4"/>
     <p:sldId id="264" r:id="rId5"/>
-    <p:sldId id="274" r:id="rId6"/>
-    <p:sldId id="265" r:id="rId7"/>
-    <p:sldId id="270" r:id="rId8"/>
-    <p:sldId id="271" r:id="rId9"/>
-    <p:sldId id="266" r:id="rId10"/>
-    <p:sldId id="267" r:id="rId11"/>
-    <p:sldId id="268" r:id="rId12"/>
-    <p:sldId id="269" r:id="rId13"/>
-    <p:sldId id="276" r:id="rId14"/>
-    <p:sldId id="272" r:id="rId15"/>
-    <p:sldId id="275" r:id="rId16"/>
-    <p:sldId id="277" r:id="rId17"/>
-    <p:sldId id="273" r:id="rId18"/>
-    <p:sldId id="278" r:id="rId19"/>
-    <p:sldId id="279" r:id="rId20"/>
-    <p:sldId id="280" r:id="rId21"/>
-    <p:sldId id="281" r:id="rId22"/>
-    <p:sldId id="282" r:id="rId23"/>
+    <p:sldId id="265" r:id="rId6"/>
+    <p:sldId id="270" r:id="rId7"/>
+    <p:sldId id="271" r:id="rId8"/>
+    <p:sldId id="266" r:id="rId9"/>
+    <p:sldId id="267" r:id="rId10"/>
+    <p:sldId id="268" r:id="rId11"/>
+    <p:sldId id="269" r:id="rId12"/>
+    <p:sldId id="276" r:id="rId13"/>
+    <p:sldId id="272" r:id="rId14"/>
+    <p:sldId id="275" r:id="rId15"/>
+    <p:sldId id="277" r:id="rId16"/>
+    <p:sldId id="273" r:id="rId17"/>
+    <p:sldId id="278" r:id="rId18"/>
+    <p:sldId id="279" r:id="rId19"/>
+    <p:sldId id="280" r:id="rId20"/>
+    <p:sldId id="281" r:id="rId21"/>
+    <p:sldId id="282" r:id="rId22"/>
   </p:sldIdLst>
   <p:sldSz cx="12192000" cy="6858000"/>
   <p:notesSz cx="6858000" cy="9144000"/>
@@ -138,6 +137,8 @@
   <p1510:revLst>
     <p1510:client id="{19105483-A154-4545-8C5F-280CA4301B28}" v="494" dt="2022-03-08T19:56:32.535"/>
     <p1510:client id="{27B0AE50-721A-4699-BA6B-D34BB0854264}" v="67" dt="2021-11-09T23:45:45.912"/>
+    <p1510:client id="{2BCCD135-860C-4377-B2C0-B258BADE624E}" v="1" dt="2022-03-09T18:07:10.523"/>
+    <p1510:client id="{34A82B79-AEF0-465C-848F-98742CB598DE}" v="12" dt="2022-03-09T17:50:04.419"/>
     <p1510:client id="{40F92387-D0BB-4189-9E2E-2BFF33F1AC93}" v="204" dt="2022-03-02T22:43:16.846"/>
     <p1510:client id="{54E7C63C-73CD-4677-AEFD-DC88C07E3303}" v="9" dt="2022-03-04T03:26:01.238"/>
     <p1510:client id="{A84930F7-4D92-4720-97DB-227C3E041B76}" v="3" dt="2021-11-08T00:55:32.518"/>
@@ -730,7 +731,6 @@
               <a:rPr lang="en-US"/>
               <a:t>Click to edit Master title style</a:t>
             </a:r>
-            <a:endParaRPr lang="en-US" dirty="0"/>
           </a:p>
         </p:txBody>
       </p:sp>
@@ -850,7 +850,6 @@
               <a:rPr lang="en-US"/>
               <a:t>Click to edit Master subtitle style</a:t>
             </a:r>
-            <a:endParaRPr lang="en-US" dirty="0"/>
           </a:p>
         </p:txBody>
       </p:sp>
@@ -872,9 +871,9 @@
             <a:fld id="{B61BEF0D-F0BB-DE4B-95CE-6DB70DBA9567}" type="datetimeFigureOut">
               <a:rPr lang="en-US" dirty="0"/>
               <a:pPr/>
-              <a:t>3/8/2022</a:t>
+              <a:t>3/9/2022</a:t>
             </a:fld>
-            <a:endParaRPr lang="en-US" dirty="0"/>
+            <a:endParaRPr lang="en-US"/>
           </a:p>
         </p:txBody>
       </p:sp>
@@ -893,7 +892,7 @@
           <a:bodyPr/>
           <a:lstStyle/>
           <a:p>
-            <a:endParaRPr lang="en-US" dirty="0"/>
+            <a:endParaRPr lang="en-US"/>
           </a:p>
         </p:txBody>
       </p:sp>
@@ -917,7 +916,7 @@
               <a:pPr/>
               <a:t>‹#›</a:t>
             </a:fld>
-            <a:endParaRPr lang="en-US" dirty="0"/>
+            <a:endParaRPr lang="en-US"/>
           </a:p>
         </p:txBody>
       </p:sp>
@@ -976,7 +975,6 @@
               <a:rPr lang="en-US"/>
               <a:t>Click to edit Master title style</a:t>
             </a:r>
-            <a:endParaRPr lang="en-US" dirty="0"/>
           </a:p>
         </p:txBody>
       </p:sp>
@@ -1120,9 +1118,9 @@
             <a:fld id="{B61BEF0D-F0BB-DE4B-95CE-6DB70DBA9567}" type="datetimeFigureOut">
               <a:rPr lang="en-US" dirty="0"/>
               <a:pPr/>
-              <a:t>3/8/2022</a:t>
+              <a:t>3/9/2022</a:t>
             </a:fld>
-            <a:endParaRPr lang="en-US" dirty="0"/>
+            <a:endParaRPr lang="en-US"/>
           </a:p>
         </p:txBody>
       </p:sp>
@@ -1141,7 +1139,7 @@
           <a:bodyPr/>
           <a:lstStyle/>
           <a:p>
-            <a:endParaRPr lang="en-US" dirty="0"/>
+            <a:endParaRPr lang="en-US"/>
           </a:p>
         </p:txBody>
       </p:sp>
@@ -1165,7 +1163,7 @@
               <a:pPr/>
               <a:t>‹#›</a:t>
             </a:fld>
-            <a:endParaRPr lang="en-US" dirty="0"/>
+            <a:endParaRPr lang="en-US"/>
           </a:p>
         </p:txBody>
       </p:sp>
@@ -1224,7 +1222,6 @@
               <a:rPr lang="en-US"/>
               <a:t>Click to edit Master title style</a:t>
             </a:r>
-            <a:endParaRPr lang="en-US" dirty="0"/>
           </a:p>
         </p:txBody>
       </p:sp>
@@ -1431,9 +1428,9 @@
             <a:fld id="{B61BEF0D-F0BB-DE4B-95CE-6DB70DBA9567}" type="datetimeFigureOut">
               <a:rPr lang="en-US" dirty="0"/>
               <a:pPr/>
-              <a:t>3/8/2022</a:t>
+              <a:t>3/9/2022</a:t>
             </a:fld>
-            <a:endParaRPr lang="en-US" dirty="0"/>
+            <a:endParaRPr lang="en-US"/>
           </a:p>
         </p:txBody>
       </p:sp>
@@ -1452,7 +1449,7 @@
           <a:bodyPr/>
           <a:lstStyle/>
           <a:p>
-            <a:endParaRPr lang="en-US" dirty="0"/>
+            <a:endParaRPr lang="en-US"/>
           </a:p>
         </p:txBody>
       </p:sp>
@@ -1476,7 +1473,7 @@
               <a:pPr/>
               <a:t>‹#›</a:t>
             </a:fld>
-            <a:endParaRPr lang="en-US" dirty="0"/>
+            <a:endParaRPr lang="en-US"/>
           </a:p>
         </p:txBody>
       </p:sp>
@@ -1503,7 +1500,7 @@
           <a:p>
             <a:pPr lvl="0"/>
             <a:r>
-              <a:rPr lang="en-US" sz="8000" baseline="0" dirty="0">
+              <a:rPr lang="en-US" sz="8000" baseline="0">
                 <a:ln w="3175" cmpd="sng">
                   <a:noFill/>
                 </a:ln>
@@ -1544,7 +1541,7 @@
           <a:p>
             <a:pPr lvl="0"/>
             <a:r>
-              <a:rPr lang="en-US" sz="8000" baseline="0" dirty="0">
+              <a:rPr lang="en-US" sz="8000" baseline="0">
                 <a:ln w="3175" cmpd="sng">
                   <a:noFill/>
                 </a:ln>
@@ -1558,7 +1555,7 @@
               </a:rPr>
               <a:t>”</a:t>
             </a:r>
-            <a:endParaRPr lang="en-US" dirty="0">
+            <a:endParaRPr lang="en-US">
               <a:solidFill>
                 <a:schemeClr val="accent1">
                   <a:lumMod val="60000"/>
@@ -1625,7 +1622,6 @@
               <a:rPr lang="en-US"/>
               <a:t>Click to edit Master title style</a:t>
             </a:r>
-            <a:endParaRPr lang="en-US" dirty="0"/>
           </a:p>
         </p:txBody>
       </p:sp>
@@ -1769,9 +1765,9 @@
             <a:fld id="{B61BEF0D-F0BB-DE4B-95CE-6DB70DBA9567}" type="datetimeFigureOut">
               <a:rPr lang="en-US" dirty="0"/>
               <a:pPr/>
-              <a:t>3/8/2022</a:t>
+              <a:t>3/9/2022</a:t>
             </a:fld>
-            <a:endParaRPr lang="en-US" dirty="0"/>
+            <a:endParaRPr lang="en-US"/>
           </a:p>
         </p:txBody>
       </p:sp>
@@ -1790,7 +1786,7 @@
           <a:bodyPr/>
           <a:lstStyle/>
           <a:p>
-            <a:endParaRPr lang="en-US" dirty="0"/>
+            <a:endParaRPr lang="en-US"/>
           </a:p>
         </p:txBody>
       </p:sp>
@@ -1814,7 +1810,7 @@
               <a:pPr/>
               <a:t>‹#›</a:t>
             </a:fld>
-            <a:endParaRPr lang="en-US" dirty="0"/>
+            <a:endParaRPr lang="en-US"/>
           </a:p>
         </p:txBody>
       </p:sp>
@@ -1873,7 +1869,6 @@
               <a:rPr lang="en-US"/>
               <a:t>Click to edit Master title style</a:t>
             </a:r>
-            <a:endParaRPr lang="en-US" dirty="0"/>
           </a:p>
         </p:txBody>
       </p:sp>
@@ -2080,9 +2075,9 @@
             <a:fld id="{B61BEF0D-F0BB-DE4B-95CE-6DB70DBA9567}" type="datetimeFigureOut">
               <a:rPr lang="en-US" dirty="0"/>
               <a:pPr/>
-              <a:t>3/8/2022</a:t>
+              <a:t>3/9/2022</a:t>
             </a:fld>
-            <a:endParaRPr lang="en-US" dirty="0"/>
+            <a:endParaRPr lang="en-US"/>
           </a:p>
         </p:txBody>
       </p:sp>
@@ -2101,7 +2096,7 @@
           <a:bodyPr/>
           <a:lstStyle/>
           <a:p>
-            <a:endParaRPr lang="en-US" dirty="0"/>
+            <a:endParaRPr lang="en-US"/>
           </a:p>
         </p:txBody>
       </p:sp>
@@ -2125,7 +2120,7 @@
               <a:pPr/>
               <a:t>‹#›</a:t>
             </a:fld>
-            <a:endParaRPr lang="en-US" dirty="0"/>
+            <a:endParaRPr lang="en-US"/>
           </a:p>
         </p:txBody>
       </p:sp>
@@ -2152,7 +2147,7 @@
           <a:p>
             <a:pPr lvl="0"/>
             <a:r>
-              <a:rPr lang="en-US" sz="8000" baseline="0" dirty="0">
+              <a:rPr lang="en-US" sz="8000" baseline="0">
                 <a:ln w="3175" cmpd="sng">
                   <a:noFill/>
                 </a:ln>
@@ -2193,7 +2188,7 @@
           <a:p>
             <a:pPr lvl="0"/>
             <a:r>
-              <a:rPr lang="en-US" sz="8000" baseline="0" dirty="0">
+              <a:rPr lang="en-US" sz="8000" baseline="0">
                 <a:ln w="3175" cmpd="sng">
                   <a:noFill/>
                 </a:ln>
@@ -2266,7 +2261,6 @@
               <a:rPr lang="en-US"/>
               <a:t>Click to edit Master title style</a:t>
             </a:r>
-            <a:endParaRPr lang="en-US" dirty="0"/>
           </a:p>
         </p:txBody>
       </p:sp>
@@ -2470,9 +2464,9 @@
             <a:fld id="{B61BEF0D-F0BB-DE4B-95CE-6DB70DBA9567}" type="datetimeFigureOut">
               <a:rPr lang="en-US" dirty="0"/>
               <a:pPr/>
-              <a:t>3/8/2022</a:t>
+              <a:t>3/9/2022</a:t>
             </a:fld>
-            <a:endParaRPr lang="en-US" dirty="0"/>
+            <a:endParaRPr lang="en-US"/>
           </a:p>
         </p:txBody>
       </p:sp>
@@ -2491,7 +2485,7 @@
           <a:bodyPr/>
           <a:lstStyle/>
           <a:p>
-            <a:endParaRPr lang="en-US" dirty="0"/>
+            <a:endParaRPr lang="en-US"/>
           </a:p>
         </p:txBody>
       </p:sp>
@@ -2515,7 +2509,7 @@
               <a:pPr/>
               <a:t>‹#›</a:t>
             </a:fld>
-            <a:endParaRPr lang="en-US" dirty="0"/>
+            <a:endParaRPr lang="en-US"/>
           </a:p>
         </p:txBody>
       </p:sp>
@@ -2563,7 +2557,6 @@
               <a:rPr lang="en-US"/>
               <a:t>Click to edit Master title style</a:t>
             </a:r>
-            <a:endParaRPr lang="en-US" dirty="0"/>
           </a:p>
         </p:txBody>
       </p:sp>
@@ -2615,7 +2608,6 @@
               <a:rPr lang="en-US"/>
               <a:t>Fifth level</a:t>
             </a:r>
-            <a:endParaRPr lang="en-US" dirty="0"/>
           </a:p>
         </p:txBody>
       </p:sp>
@@ -2636,9 +2628,9 @@
           <a:p>
             <a:fld id="{55C6B4A9-1611-4792-9094-5F34BCA07E0B}" type="datetimeFigureOut">
               <a:rPr lang="en-US" dirty="0"/>
-              <a:t>3/8/2022</a:t>
+              <a:t>3/9/2022</a:t>
             </a:fld>
-            <a:endParaRPr lang="en-US" dirty="0"/>
+            <a:endParaRPr lang="en-US"/>
           </a:p>
         </p:txBody>
       </p:sp>
@@ -2657,7 +2649,7 @@
           <a:bodyPr/>
           <a:lstStyle/>
           <a:p>
-            <a:endParaRPr lang="en-US" dirty="0"/>
+            <a:endParaRPr lang="en-US"/>
           </a:p>
         </p:txBody>
       </p:sp>
@@ -2680,7 +2672,7 @@
               <a:rPr lang="en-US" dirty="0"/>
               <a:t>‹#›</a:t>
             </a:fld>
-            <a:endParaRPr lang="en-US" dirty="0"/>
+            <a:endParaRPr lang="en-US"/>
           </a:p>
         </p:txBody>
       </p:sp>
@@ -2733,7 +2725,6 @@
               <a:rPr lang="en-US"/>
               <a:t>Click to edit Master title style</a:t>
             </a:r>
-            <a:endParaRPr lang="en-US" dirty="0"/>
           </a:p>
         </p:txBody>
       </p:sp>
@@ -2790,7 +2781,6 @@
               <a:rPr lang="en-US"/>
               <a:t>Fifth level</a:t>
             </a:r>
-            <a:endParaRPr lang="en-US" dirty="0"/>
           </a:p>
         </p:txBody>
       </p:sp>
@@ -2812,9 +2802,9 @@
             <a:fld id="{B61BEF0D-F0BB-DE4B-95CE-6DB70DBA9567}" type="datetimeFigureOut">
               <a:rPr lang="en-US" dirty="0"/>
               <a:pPr/>
-              <a:t>3/8/2022</a:t>
+              <a:t>3/9/2022</a:t>
             </a:fld>
-            <a:endParaRPr lang="en-US" dirty="0"/>
+            <a:endParaRPr lang="en-US"/>
           </a:p>
         </p:txBody>
       </p:sp>
@@ -2833,7 +2823,7 @@
           <a:bodyPr/>
           <a:lstStyle/>
           <a:p>
-            <a:endParaRPr lang="en-US" dirty="0"/>
+            <a:endParaRPr lang="en-US"/>
           </a:p>
         </p:txBody>
       </p:sp>
@@ -2857,7 +2847,7 @@
               <a:pPr/>
               <a:t>‹#›</a:t>
             </a:fld>
-            <a:endParaRPr lang="en-US" dirty="0"/>
+            <a:endParaRPr lang="en-US"/>
           </a:p>
         </p:txBody>
       </p:sp>
@@ -2911,7 +2901,6 @@
               <a:rPr lang="en-US"/>
               <a:t>Click to edit Master title style</a:t>
             </a:r>
-            <a:endParaRPr lang="en-US" dirty="0"/>
           </a:p>
         </p:txBody>
       </p:sp>
@@ -2963,7 +2952,6 @@
               <a:rPr lang="en-US"/>
               <a:t>Fifth level</a:t>
             </a:r>
-            <a:endParaRPr lang="en-US" dirty="0"/>
           </a:p>
         </p:txBody>
       </p:sp>
@@ -2985,9 +2973,9 @@
             <a:fld id="{B61BEF0D-F0BB-DE4B-95CE-6DB70DBA9567}" type="datetimeFigureOut">
               <a:rPr lang="en-US" dirty="0"/>
               <a:pPr/>
-              <a:t>3/8/2022</a:t>
+              <a:t>3/9/2022</a:t>
             </a:fld>
-            <a:endParaRPr lang="en-US" dirty="0"/>
+            <a:endParaRPr lang="en-US"/>
           </a:p>
         </p:txBody>
       </p:sp>
@@ -3006,7 +2994,7 @@
           <a:bodyPr/>
           <a:lstStyle/>
           <a:p>
-            <a:endParaRPr lang="en-US" dirty="0"/>
+            <a:endParaRPr lang="en-US"/>
           </a:p>
         </p:txBody>
       </p:sp>
@@ -3030,7 +3018,7 @@
               <a:pPr/>
               <a:t>‹#›</a:t>
             </a:fld>
-            <a:endParaRPr lang="en-US" dirty="0"/>
+            <a:endParaRPr lang="en-US"/>
           </a:p>
         </p:txBody>
       </p:sp>
@@ -3087,7 +3075,6 @@
               <a:rPr lang="en-US"/>
               <a:t>Click to edit Master title style</a:t>
             </a:r>
-            <a:endParaRPr lang="en-US" dirty="0"/>
           </a:p>
         </p:txBody>
       </p:sp>
@@ -3229,9 +3216,9 @@
             <a:fld id="{B61BEF0D-F0BB-DE4B-95CE-6DB70DBA9567}" type="datetimeFigureOut">
               <a:rPr lang="en-US" dirty="0"/>
               <a:pPr/>
-              <a:t>3/8/2022</a:t>
+              <a:t>3/9/2022</a:t>
             </a:fld>
-            <a:endParaRPr lang="en-US" dirty="0"/>
+            <a:endParaRPr lang="en-US"/>
           </a:p>
         </p:txBody>
       </p:sp>
@@ -3250,7 +3237,7 @@
           <a:bodyPr/>
           <a:lstStyle/>
           <a:p>
-            <a:endParaRPr lang="en-US" dirty="0"/>
+            <a:endParaRPr lang="en-US"/>
           </a:p>
         </p:txBody>
       </p:sp>
@@ -3274,7 +3261,7 @@
               <a:pPr/>
               <a:t>‹#›</a:t>
             </a:fld>
-            <a:endParaRPr lang="en-US" dirty="0"/>
+            <a:endParaRPr lang="en-US"/>
           </a:p>
         </p:txBody>
       </p:sp>
@@ -3322,7 +3309,6 @@
               <a:rPr lang="en-US"/>
               <a:t>Click to edit Master title style</a:t>
             </a:r>
-            <a:endParaRPr lang="en-US" dirty="0"/>
           </a:p>
         </p:txBody>
       </p:sp>
@@ -3379,7 +3365,6 @@
               <a:rPr lang="en-US"/>
               <a:t>Fifth level</a:t>
             </a:r>
-            <a:endParaRPr lang="en-US" dirty="0"/>
           </a:p>
         </p:txBody>
       </p:sp>
@@ -3436,7 +3421,6 @@
               <a:rPr lang="en-US"/>
               <a:t>Fifth level</a:t>
             </a:r>
-            <a:endParaRPr lang="en-US" dirty="0"/>
           </a:p>
         </p:txBody>
       </p:sp>
@@ -3457,9 +3441,9 @@
           <a:p>
             <a:fld id="{EB712588-04B1-427B-82EE-E8DB90309F08}" type="datetimeFigureOut">
               <a:rPr lang="en-US" dirty="0"/>
-              <a:t>3/8/2022</a:t>
+              <a:t>3/9/2022</a:t>
             </a:fld>
-            <a:endParaRPr lang="en-US" dirty="0"/>
+            <a:endParaRPr lang="en-US"/>
           </a:p>
         </p:txBody>
       </p:sp>
@@ -3478,7 +3462,7 @@
           <a:bodyPr/>
           <a:lstStyle/>
           <a:p>
-            <a:endParaRPr lang="en-US" dirty="0"/>
+            <a:endParaRPr lang="en-US"/>
           </a:p>
         </p:txBody>
       </p:sp>
@@ -3501,7 +3485,7 @@
               <a:rPr lang="en-US" dirty="0"/>
               <a:t>‹#›</a:t>
             </a:fld>
-            <a:endParaRPr lang="en-US" dirty="0"/>
+            <a:endParaRPr lang="en-US"/>
           </a:p>
         </p:txBody>
       </p:sp>
@@ -3553,7 +3537,6 @@
               <a:rPr lang="en-US"/>
               <a:t>Click to edit Master title style</a:t>
             </a:r>
-            <a:endParaRPr lang="en-US" dirty="0"/>
           </a:p>
         </p:txBody>
       </p:sp>
@@ -3679,7 +3662,6 @@
               <a:rPr lang="en-US"/>
               <a:t>Fifth level</a:t>
             </a:r>
-            <a:endParaRPr lang="en-US" dirty="0"/>
           </a:p>
         </p:txBody>
       </p:sp>
@@ -3805,7 +3787,6 @@
               <a:rPr lang="en-US"/>
               <a:t>Fifth level</a:t>
             </a:r>
-            <a:endParaRPr lang="en-US" dirty="0"/>
           </a:p>
         </p:txBody>
       </p:sp>
@@ -3827,9 +3808,9 @@
             <a:fld id="{B61BEF0D-F0BB-DE4B-95CE-6DB70DBA9567}" type="datetimeFigureOut">
               <a:rPr lang="en-US" dirty="0"/>
               <a:pPr/>
-              <a:t>3/8/2022</a:t>
+              <a:t>3/9/2022</a:t>
             </a:fld>
-            <a:endParaRPr lang="en-US" dirty="0"/>
+            <a:endParaRPr lang="en-US"/>
           </a:p>
         </p:txBody>
       </p:sp>
@@ -3848,7 +3829,7 @@
           <a:bodyPr/>
           <a:lstStyle/>
           <a:p>
-            <a:endParaRPr lang="en-US" dirty="0"/>
+            <a:endParaRPr lang="en-US"/>
           </a:p>
         </p:txBody>
       </p:sp>
@@ -3872,7 +3853,7 @@
               <a:pPr/>
               <a:t>‹#›</a:t>
             </a:fld>
-            <a:endParaRPr lang="en-US" dirty="0"/>
+            <a:endParaRPr lang="en-US"/>
           </a:p>
         </p:txBody>
       </p:sp>
@@ -3925,7 +3906,6 @@
               <a:rPr lang="en-US"/>
               <a:t>Click to edit Master title style</a:t>
             </a:r>
-            <a:endParaRPr lang="en-US" dirty="0"/>
           </a:p>
         </p:txBody>
       </p:sp>
@@ -3947,9 +3927,9 @@
             <a:fld id="{B61BEF0D-F0BB-DE4B-95CE-6DB70DBA9567}" type="datetimeFigureOut">
               <a:rPr lang="en-US" dirty="0"/>
               <a:pPr/>
-              <a:t>3/8/2022</a:t>
+              <a:t>3/9/2022</a:t>
             </a:fld>
-            <a:endParaRPr lang="en-US" dirty="0"/>
+            <a:endParaRPr lang="en-US"/>
           </a:p>
         </p:txBody>
       </p:sp>
@@ -3968,7 +3948,7 @@
           <a:bodyPr/>
           <a:lstStyle/>
           <a:p>
-            <a:endParaRPr lang="en-US" dirty="0"/>
+            <a:endParaRPr lang="en-US"/>
           </a:p>
         </p:txBody>
       </p:sp>
@@ -3992,7 +3972,7 @@
               <a:pPr/>
               <a:t>‹#›</a:t>
             </a:fld>
-            <a:endParaRPr lang="en-US" dirty="0"/>
+            <a:endParaRPr lang="en-US"/>
           </a:p>
         </p:txBody>
       </p:sp>
@@ -4039,9 +4019,9 @@
             <a:fld id="{B61BEF0D-F0BB-DE4B-95CE-6DB70DBA9567}" type="datetimeFigureOut">
               <a:rPr lang="en-US" dirty="0"/>
               <a:pPr/>
-              <a:t>3/8/2022</a:t>
+              <a:t>3/9/2022</a:t>
             </a:fld>
-            <a:endParaRPr lang="en-US" dirty="0"/>
+            <a:endParaRPr lang="en-US"/>
           </a:p>
         </p:txBody>
       </p:sp>
@@ -4060,7 +4040,7 @@
           <a:bodyPr/>
           <a:lstStyle/>
           <a:p>
-            <a:endParaRPr lang="en-US" dirty="0"/>
+            <a:endParaRPr lang="en-US"/>
           </a:p>
         </p:txBody>
       </p:sp>
@@ -4084,7 +4064,7 @@
               <a:pPr/>
               <a:t>‹#›</a:t>
             </a:fld>
-            <a:endParaRPr lang="en-US" dirty="0"/>
+            <a:endParaRPr lang="en-US"/>
           </a:p>
         </p:txBody>
       </p:sp>
@@ -4143,7 +4123,6 @@
               <a:rPr lang="en-US"/>
               <a:t>Click to edit Master title style</a:t>
             </a:r>
-            <a:endParaRPr lang="en-US" dirty="0"/>
           </a:p>
         </p:txBody>
       </p:sp>
@@ -4202,7 +4181,6 @@
               <a:rPr lang="en-US"/>
               <a:t>Fifth level</a:t>
             </a:r>
-            <a:endParaRPr lang="en-US" dirty="0"/>
           </a:p>
         </p:txBody>
       </p:sp>
@@ -4290,9 +4268,9 @@
           <a:p>
             <a:fld id="{42A54C80-263E-416B-A8E0-580EDEADCBDC}" type="datetimeFigureOut">
               <a:rPr lang="en-US" dirty="0"/>
-              <a:t>3/8/2022</a:t>
+              <a:t>3/9/2022</a:t>
             </a:fld>
-            <a:endParaRPr lang="en-US" dirty="0"/>
+            <a:endParaRPr lang="en-US"/>
           </a:p>
         </p:txBody>
       </p:sp>
@@ -4311,7 +4289,7 @@
           <a:bodyPr/>
           <a:lstStyle/>
           <a:p>
-            <a:endParaRPr lang="en-US" dirty="0"/>
+            <a:endParaRPr lang="en-US"/>
           </a:p>
         </p:txBody>
       </p:sp>
@@ -4334,7 +4312,7 @@
               <a:rPr lang="en-US" dirty="0"/>
               <a:t>‹#›</a:t>
             </a:fld>
-            <a:endParaRPr lang="en-US" dirty="0"/>
+            <a:endParaRPr lang="en-US"/>
           </a:p>
         </p:txBody>
       </p:sp>
@@ -4393,7 +4371,6 @@
               <a:rPr lang="en-US"/>
               <a:t>Click to edit Master title style</a:t>
             </a:r>
-            <a:endParaRPr lang="en-US" dirty="0"/>
           </a:p>
         </p:txBody>
       </p:sp>
@@ -4460,7 +4437,6 @@
               <a:rPr lang="en-US"/>
               <a:t>Click icon to add picture</a:t>
             </a:r>
-            <a:endParaRPr lang="en-US" dirty="0"/>
           </a:p>
         </p:txBody>
       </p:sp>
@@ -4549,9 +4525,9 @@
             <a:fld id="{B61BEF0D-F0BB-DE4B-95CE-6DB70DBA9567}" type="datetimeFigureOut">
               <a:rPr lang="en-US" dirty="0"/>
               <a:pPr/>
-              <a:t>3/8/2022</a:t>
+              <a:t>3/9/2022</a:t>
             </a:fld>
-            <a:endParaRPr lang="en-US" dirty="0"/>
+            <a:endParaRPr lang="en-US"/>
           </a:p>
         </p:txBody>
       </p:sp>
@@ -4570,7 +4546,7 @@
           <a:bodyPr/>
           <a:lstStyle/>
           <a:p>
-            <a:endParaRPr lang="en-US" dirty="0"/>
+            <a:endParaRPr lang="en-US"/>
           </a:p>
         </p:txBody>
       </p:sp>
@@ -4594,7 +4570,7 @@
               <a:pPr/>
               <a:t>‹#›</a:t>
             </a:fld>
-            <a:endParaRPr lang="en-US" dirty="0"/>
+            <a:endParaRPr lang="en-US"/>
           </a:p>
         </p:txBody>
       </p:sp>
@@ -5187,7 +5163,6 @@
               <a:rPr lang="en-US"/>
               <a:t>Click to edit Master title style</a:t>
             </a:r>
-            <a:endParaRPr lang="en-US" dirty="0"/>
           </a:p>
         </p:txBody>
       </p:sp>
@@ -5249,7 +5224,6 @@
               <a:rPr lang="en-US"/>
               <a:t>Fifth level</a:t>
             </a:r>
-            <a:endParaRPr lang="en-US" dirty="0"/>
           </a:p>
         </p:txBody>
       </p:sp>
@@ -5289,9 +5263,9 @@
             <a:fld id="{B61BEF0D-F0BB-DE4B-95CE-6DB70DBA9567}" type="datetimeFigureOut">
               <a:rPr lang="en-US" dirty="0"/>
               <a:pPr/>
-              <a:t>3/8/2022</a:t>
+              <a:t>3/9/2022</a:t>
             </a:fld>
-            <a:endParaRPr lang="en-US" dirty="0"/>
+            <a:endParaRPr lang="en-US"/>
           </a:p>
         </p:txBody>
       </p:sp>
@@ -5328,7 +5302,7 @@
             </a:lvl1pPr>
           </a:lstStyle>
           <a:p>
-            <a:endParaRPr lang="en-US" dirty="0"/>
+            <a:endParaRPr lang="en-US"/>
           </a:p>
         </p:txBody>
       </p:sp>
@@ -5368,7 +5342,7 @@
               <a:pPr/>
               <a:t>‹#›</a:t>
             </a:fld>
-            <a:endParaRPr lang="en-US" dirty="0"/>
+            <a:endParaRPr lang="en-US"/>
           </a:p>
         </p:txBody>
       </p:sp>
@@ -5833,7 +5807,7 @@
           <a:p>
             <a:pPr algn="l"/>
             <a:r>
-              <a:rPr lang="en-US" sz="3600" b="1" dirty="0">
+              <a:rPr lang="en-US" sz="3600" b="1">
                 <a:solidFill>
                   <a:schemeClr val="tx1"/>
                 </a:solidFill>
@@ -5850,7 +5824,7 @@
           </a:p>
           <a:p>
             <a:pPr algn="l"/>
-            <a:endParaRPr lang="en-US" sz="4400" dirty="0">
+            <a:endParaRPr lang="en-US" sz="4400">
               <a:solidFill>
                 <a:schemeClr val="tx1"/>
               </a:solidFill>
@@ -5859,7 +5833,7 @@
             </a:endParaRPr>
           </a:p>
           <a:p>
-            <a:endParaRPr lang="en-US" dirty="0"/>
+            <a:endParaRPr lang="en-US"/>
           </a:p>
         </p:txBody>
       </p:sp>
@@ -5895,20 +5869,20 @@
           <a:lstStyle/>
           <a:p>
             <a:r>
-              <a:rPr lang="en-US" sz="2400" dirty="0"/>
+              <a:rPr lang="en-US" sz="2400"/>
               <a:t>Presented by:</a:t>
             </a:r>
           </a:p>
           <a:p>
             <a:r>
-              <a:rPr lang="en-US" sz="2400" dirty="0"/>
+              <a:rPr lang="en-US" sz="2400"/>
               <a:t>Mangaiyarkarasi </a:t>
             </a:r>
             <a:r>
               <a:rPr lang="en-US" sz="2400" noProof="1"/>
               <a:t>Rathnakumar</a:t>
             </a:r>
-            <a:endParaRPr lang="en-US" sz="2400" dirty="0"/>
+            <a:endParaRPr lang="en-US" sz="2400"/>
           </a:p>
         </p:txBody>
       </p:sp>
@@ -5947,135 +5921,6 @@
           <p:cNvPr id="2" name="Title 1">
             <a:extLst>
               <a:ext uri="{FF2B5EF4-FFF2-40B4-BE49-F238E27FC236}">
-                <a16:creationId xmlns:a16="http://schemas.microsoft.com/office/drawing/2014/main" id="{8F6D6CC1-EB05-49EA-BED4-D05F4D0657F2}"/>
-              </a:ext>
-            </a:extLst>
-          </p:cNvPr>
-          <p:cNvSpPr>
-            <a:spLocks noGrp="1"/>
-          </p:cNvSpPr>
-          <p:nvPr>
-            <p:ph type="title"/>
-          </p:nvPr>
-        </p:nvSpPr>
-        <p:spPr>
-          <a:xfrm>
-            <a:off x="677334" y="609600"/>
-            <a:ext cx="8596668" cy="568093"/>
-          </a:xfrm>
-        </p:spPr>
-        <p:txBody>
-          <a:bodyPr>
-            <a:normAutofit/>
-          </a:bodyPr>
-          <a:lstStyle/>
-          <a:p>
-            <a:r>
-              <a:rPr lang="en-US" sz="2400" dirty="0">
-                <a:solidFill>
-                  <a:schemeClr val="tx1"/>
-                </a:solidFill>
-                <a:latin typeface="Arial Black"/>
-              </a:rPr>
-              <a:t>It is an Imbalanced Dataset</a:t>
-            </a:r>
-          </a:p>
-        </p:txBody>
-      </p:sp>
-      <p:pic>
-        <p:nvPicPr>
-          <p:cNvPr id="4" name="Picture 4" descr="Chart, pie chart&#10;&#10;Description automatically generated">
-            <a:extLst>
-              <a:ext uri="{FF2B5EF4-FFF2-40B4-BE49-F238E27FC236}">
-                <a16:creationId xmlns:a16="http://schemas.microsoft.com/office/drawing/2014/main" id="{0C644892-8CA6-4E89-A34D-A4DDEDF495BD}"/>
-              </a:ext>
-            </a:extLst>
-          </p:cNvPr>
-          <p:cNvPicPr>
-            <a:picLocks noGrp="1" noChangeAspect="1"/>
-          </p:cNvPicPr>
-          <p:nvPr>
-            <p:ph idx="1"/>
-          </p:nvPr>
-        </p:nvPicPr>
-        <p:blipFill>
-          <a:blip r:embed="rId2"/>
-          <a:stretch>
-            <a:fillRect/>
-          </a:stretch>
-        </p:blipFill>
-        <p:spPr>
-          <a:xfrm>
-            <a:off x="288012" y="1710410"/>
-            <a:ext cx="3635530" cy="3443868"/>
-          </a:xfrm>
-        </p:spPr>
-      </p:pic>
-      <p:pic>
-        <p:nvPicPr>
-          <p:cNvPr id="5" name="Picture 5" descr="Graphical user interface, text, application, email&#10;&#10;Description automatically generated">
-            <a:extLst>
-              <a:ext uri="{FF2B5EF4-FFF2-40B4-BE49-F238E27FC236}">
-                <a16:creationId xmlns:a16="http://schemas.microsoft.com/office/drawing/2014/main" id="{5A74A2E1-C2F1-4107-913C-F8B62D65FB6F}"/>
-              </a:ext>
-            </a:extLst>
-          </p:cNvPr>
-          <p:cNvPicPr>
-            <a:picLocks noChangeAspect="1"/>
-          </p:cNvPicPr>
-          <p:nvPr/>
-        </p:nvPicPr>
-        <p:blipFill>
-          <a:blip r:embed="rId3"/>
-          <a:stretch>
-            <a:fillRect/>
-          </a:stretch>
-        </p:blipFill>
-        <p:spPr>
-          <a:xfrm>
-            <a:off x="3925230" y="1372057"/>
-            <a:ext cx="6255834" cy="4538473"/>
-          </a:xfrm>
-          <a:prstGeom prst="rect">
-            <a:avLst/>
-          </a:prstGeom>
-        </p:spPr>
-      </p:pic>
-    </p:spTree>
-    <p:extLst>
-      <p:ext uri="{BB962C8B-B14F-4D97-AF65-F5344CB8AC3E}">
-        <p14:creationId xmlns:p14="http://schemas.microsoft.com/office/powerpoint/2010/main" val="3795040443"/>
-      </p:ext>
-    </p:extLst>
-  </p:cSld>
-  <p:clrMapOvr>
-    <a:masterClrMapping/>
-  </p:clrMapOvr>
-</p:sld>
-</file>
-
-<file path=ppt/slides/slide11.xml><?xml version="1.0" encoding="utf-8"?>
-<p:sld xmlns:a="http://schemas.openxmlformats.org/drawingml/2006/main" xmlns:r="http://schemas.openxmlformats.org/officeDocument/2006/relationships" xmlns:p="http://schemas.openxmlformats.org/presentationml/2006/main">
-  <p:cSld>
-    <p:spTree>
-      <p:nvGrpSpPr>
-        <p:cNvPr id="1" name=""/>
-        <p:cNvGrpSpPr/>
-        <p:nvPr/>
-      </p:nvGrpSpPr>
-      <p:grpSpPr>
-        <a:xfrm>
-          <a:off x="0" y="0"/>
-          <a:ext cx="0" cy="0"/>
-          <a:chOff x="0" y="0"/>
-          <a:chExt cx="0" cy="0"/>
-        </a:xfrm>
-      </p:grpSpPr>
-      <p:sp>
-        <p:nvSpPr>
-          <p:cNvPr id="2" name="Title 1">
-            <a:extLst>
-              <a:ext uri="{FF2B5EF4-FFF2-40B4-BE49-F238E27FC236}">
                 <a16:creationId xmlns:a16="http://schemas.microsoft.com/office/drawing/2014/main" id="{CF02C6A9-F0A4-4851-9D9F-BDD273B7A05C}"/>
               </a:ext>
             </a:extLst>
@@ -6100,7 +5945,7 @@
           <a:lstStyle/>
           <a:p>
             <a:r>
-              <a:rPr lang="en-US" sz="2400" b="1" dirty="0">
+              <a:rPr lang="en-US" sz="2400" b="1">
                 <a:solidFill>
                   <a:schemeClr val="tx1"/>
                 </a:solidFill>
@@ -6116,7 +5961,7 @@
             </a:endParaRPr>
           </a:p>
           <a:p>
-            <a:endParaRPr lang="en-US" sz="2400" dirty="0">
+            <a:endParaRPr lang="en-US" sz="2400">
               <a:solidFill>
                 <a:schemeClr val="tx1"/>
               </a:solidFill>
@@ -6167,7 +6012,7 @@
 </p:sld>
 </file>
 
-<file path=ppt/slides/slide12.xml><?xml version="1.0" encoding="utf-8"?>
+<file path=ppt/slides/slide11.xml><?xml version="1.0" encoding="utf-8"?>
 <p:sld xmlns:a="http://schemas.openxmlformats.org/drawingml/2006/main" xmlns:r="http://schemas.openxmlformats.org/officeDocument/2006/relationships" xmlns:p="http://schemas.openxmlformats.org/presentationml/2006/main">
   <p:cSld>
     <p:spTree>
@@ -6218,7 +6063,7 @@
               </a:spcBef>
             </a:pPr>
             <a:r>
-              <a:rPr lang="en-US" sz="2400" b="1" dirty="0">
+              <a:rPr lang="en-US" sz="2400" b="1">
                 <a:solidFill>
                   <a:schemeClr val="tx1"/>
                 </a:solidFill>
@@ -6238,7 +6083,7 @@
             </a:endParaRPr>
           </a:p>
           <a:p>
-            <a:endParaRPr lang="en-US" dirty="0"/>
+            <a:endParaRPr lang="en-US"/>
           </a:p>
         </p:txBody>
       </p:sp>
@@ -6266,7 +6111,7 @@
         </p:spPr>
         <p:txBody>
           <a:bodyPr vert="horz" lIns="91440" tIns="45720" rIns="91440" bIns="45720" rtlCol="0" anchor="t">
-            <a:normAutofit fontScale="92500" lnSpcReduction="10000"/>
+            <a:normAutofit lnSpcReduction="10000"/>
           </a:bodyPr>
           <a:lstStyle/>
           <a:p>
@@ -6351,37 +6196,12 @@
                 <a:ea typeface="+mn-lt"/>
                 <a:cs typeface="+mn-lt"/>
               </a:rPr>
-              <a:t>Churn is highly correlated(positive correlation)with tenure, Internet </a:t>
-            </a:r>
-            <a:r>
-              <a:rPr lang="en-US" dirty="0" err="1">
-                <a:ea typeface="+mn-lt"/>
-                <a:cs typeface="+mn-lt"/>
-              </a:rPr>
-              <a:t>Service_Fiber</a:t>
-            </a:r>
-            <a:r>
-              <a:rPr lang="en-US" dirty="0">
-                <a:ea typeface="+mn-lt"/>
-                <a:cs typeface="+mn-lt"/>
-              </a:rPr>
-              <a:t> optic, Contract_ Month-to-month, Contract_ Two year, Payment Method_ Electronic check.</a:t>
+              <a:t>Churn is highly correlated(positive correlation)with tenure, Internet Service Fiber optic, Contract_ Month-to-month, Contract_ Two year, Payment Method_ Electronic check.</a:t>
             </a:r>
             <a:endParaRPr lang="en-US" dirty="0"/>
           </a:p>
           <a:p>
-            <a:pPr lvl="1"/>
-            <a:r>
-              <a:rPr lang="en-US" dirty="0">
-                <a:ea typeface="+mn-lt"/>
-                <a:cs typeface="+mn-lt"/>
-              </a:rPr>
-              <a:t>Churn is strongly correlated with itself.</a:t>
-            </a:r>
-            <a:endParaRPr lang="en-US" dirty="0"/>
-          </a:p>
-          <a:p>
-            <a:endParaRPr lang="en-US" dirty="0"/>
+            <a:endParaRPr lang="en-US"/>
           </a:p>
         </p:txBody>
       </p:sp>
@@ -6398,7 +6218,7 @@
 </p:sld>
 </file>
 
-<file path=ppt/slides/slide13.xml><?xml version="1.0" encoding="utf-8"?>
+<file path=ppt/slides/slide12.xml><?xml version="1.0" encoding="utf-8"?>
 <p:sld xmlns:a="http://schemas.openxmlformats.org/drawingml/2006/main" xmlns:r="http://schemas.openxmlformats.org/officeDocument/2006/relationships" xmlns:p="http://schemas.openxmlformats.org/presentationml/2006/main">
   <p:cSld>
     <p:spTree>
@@ -6457,7 +6277,7 @@
 </p:sld>
 </file>
 
-<file path=ppt/slides/slide14.xml><?xml version="1.0" encoding="utf-8"?>
+<file path=ppt/slides/slide13.xml><?xml version="1.0" encoding="utf-8"?>
 <p:sld xmlns:a="http://schemas.openxmlformats.org/drawingml/2006/main" xmlns:r="http://schemas.openxmlformats.org/officeDocument/2006/relationships" xmlns:p="http://schemas.openxmlformats.org/presentationml/2006/main">
   <p:cSld>
     <p:spTree>
@@ -6503,7 +6323,7 @@
           <a:lstStyle/>
           <a:p>
             <a:r>
-              <a:rPr lang="en-US" sz="2400" dirty="0">
+              <a:rPr lang="en-US" sz="2400">
                 <a:solidFill>
                   <a:schemeClr val="tx1"/>
                 </a:solidFill>
@@ -6556,6 +6376,285 @@
 </p:sld>
 </file>
 
+<file path=ppt/slides/slide14.xml><?xml version="1.0" encoding="utf-8"?>
+<p:sld xmlns:a="http://schemas.openxmlformats.org/drawingml/2006/main" xmlns:r="http://schemas.openxmlformats.org/officeDocument/2006/relationships" xmlns:p="http://schemas.openxmlformats.org/presentationml/2006/main">
+  <p:cSld>
+    <p:spTree>
+      <p:nvGrpSpPr>
+        <p:cNvPr id="1" name=""/>
+        <p:cNvGrpSpPr/>
+        <p:nvPr/>
+      </p:nvGrpSpPr>
+      <p:grpSpPr>
+        <a:xfrm>
+          <a:off x="0" y="0"/>
+          <a:ext cx="0" cy="0"/>
+          <a:chOff x="0" y="0"/>
+          <a:chExt cx="0" cy="0"/>
+        </a:xfrm>
+      </p:grpSpPr>
+      <p:sp>
+        <p:nvSpPr>
+          <p:cNvPr id="2" name="Title 1">
+            <a:extLst>
+              <a:ext uri="{FF2B5EF4-FFF2-40B4-BE49-F238E27FC236}">
+                <a16:creationId xmlns:a16="http://schemas.microsoft.com/office/drawing/2014/main" id="{4C67B4BE-A925-4096-896D-80EA0464062D}"/>
+              </a:ext>
+            </a:extLst>
+          </p:cNvPr>
+          <p:cNvSpPr>
+            <a:spLocks noGrp="1"/>
+          </p:cNvSpPr>
+          <p:nvPr>
+            <p:ph type="title"/>
+          </p:nvPr>
+        </p:nvSpPr>
+        <p:spPr>
+          <a:xfrm>
+            <a:off x="166236" y="107795"/>
+            <a:ext cx="8596668" cy="428703"/>
+          </a:xfrm>
+        </p:spPr>
+        <p:txBody>
+          <a:bodyPr>
+            <a:normAutofit fontScale="90000"/>
+          </a:bodyPr>
+          <a:lstStyle/>
+          <a:p>
+            <a:r>
+              <a:rPr lang="en-US" sz="2400">
+                <a:solidFill>
+                  <a:schemeClr val="tx1"/>
+                </a:solidFill>
+                <a:latin typeface="Arial Black"/>
+              </a:rPr>
+              <a:t>Machine Learning Models I used:</a:t>
+            </a:r>
+            <a:endParaRPr lang="en-US">
+              <a:solidFill>
+                <a:schemeClr val="tx1"/>
+              </a:solidFill>
+            </a:endParaRPr>
+          </a:p>
+        </p:txBody>
+      </p:sp>
+      <p:sp>
+        <p:nvSpPr>
+          <p:cNvPr id="6" name="TextBox 5">
+            <a:extLst>
+              <a:ext uri="{FF2B5EF4-FFF2-40B4-BE49-F238E27FC236}">
+                <a16:creationId xmlns:a16="http://schemas.microsoft.com/office/drawing/2014/main" id="{586C46CE-3CDD-44AE-B47A-738D2E78ECB5}"/>
+              </a:ext>
+            </a:extLst>
+          </p:cNvPr>
+          <p:cNvSpPr txBox="1"/>
+          <p:nvPr/>
+        </p:nvSpPr>
+        <p:spPr>
+          <a:xfrm>
+            <a:off x="449766" y="663498"/>
+            <a:ext cx="9935736" cy="5632311"/>
+          </a:xfrm>
+          <a:prstGeom prst="rect">
+            <a:avLst/>
+          </a:prstGeom>
+          <a:noFill/>
+        </p:spPr>
+        <p:txBody>
+          <a:bodyPr rot="0" spcFirstLastPara="0" vertOverflow="overflow" horzOverflow="overflow" vert="horz" wrap="square" lIns="91440" tIns="45720" rIns="91440" bIns="45720" numCol="1" spcCol="0" rtlCol="0" fromWordArt="0" anchor="t" anchorCtr="0" forceAA="0" compatLnSpc="1">
+            <a:prstTxWarp prst="textNoShape">
+              <a:avLst/>
+            </a:prstTxWarp>
+            <a:spAutoFit/>
+          </a:bodyPr>
+          <a:lstStyle/>
+          <a:p>
+            <a:r>
+              <a:rPr lang="en-US" b="1">
+                <a:solidFill>
+                  <a:srgbClr val="24292F"/>
+                </a:solidFill>
+                <a:latin typeface="-apple-system"/>
+              </a:rPr>
+              <a:t> </a:t>
+            </a:r>
+            <a:r>
+              <a:rPr lang="en-US" b="1">
+                <a:solidFill>
+                  <a:srgbClr val="24292F"/>
+                </a:solidFill>
+                <a:latin typeface="Arial Black"/>
+              </a:rPr>
+              <a:t>Logistic Regression:</a:t>
+            </a:r>
+            <a:endParaRPr lang="en-US"/>
+          </a:p>
+          <a:p>
+            <a:endParaRPr lang="en-US" b="1">
+              <a:solidFill>
+                <a:srgbClr val="24292F"/>
+              </a:solidFill>
+              <a:latin typeface="Arial Black"/>
+            </a:endParaRPr>
+          </a:p>
+          <a:p>
+            <a:pPr marL="285750" indent="-285750">
+              <a:buFont typeface="Wingdings"/>
+              <a:buChar char="v"/>
+            </a:pPr>
+            <a:r>
+              <a:rPr lang="en-US">
+                <a:solidFill>
+                  <a:srgbClr val="24292F"/>
+                </a:solidFill>
+                <a:latin typeface="-apple-system"/>
+              </a:rPr>
+              <a:t>   Logistic regression is a statistical analysis method to predict a binary outcome, such as yes or no, based on prior observations of a data set. </a:t>
+            </a:r>
+          </a:p>
+          <a:p>
+            <a:pPr marL="285750" indent="-285750">
+              <a:buFont typeface="Wingdings"/>
+              <a:buChar char="v"/>
+            </a:pPr>
+            <a:r>
+              <a:rPr lang="en-US">
+                <a:solidFill>
+                  <a:srgbClr val="24292F"/>
+                </a:solidFill>
+                <a:latin typeface="-apple-system"/>
+              </a:rPr>
+              <a:t>    Since it predicts probability, the output values lies between 0 and 1(probability always lies between 0 to 1)</a:t>
+            </a:r>
+            <a:endParaRPr lang="en-US"/>
+          </a:p>
+          <a:p>
+            <a:pPr marL="285750" indent="-285750">
+              <a:buFont typeface="Wingdings"/>
+              <a:buChar char="v"/>
+            </a:pPr>
+            <a:endParaRPr lang="en-US">
+              <a:solidFill>
+                <a:srgbClr val="24292F"/>
+              </a:solidFill>
+              <a:latin typeface="-apple-system"/>
+            </a:endParaRPr>
+          </a:p>
+          <a:p>
+            <a:r>
+              <a:rPr lang="en-US" b="1">
+                <a:solidFill>
+                  <a:srgbClr val="24292F"/>
+                </a:solidFill>
+                <a:latin typeface="Arial Black"/>
+              </a:rPr>
+              <a:t>Support Vector Machines</a:t>
+            </a:r>
+          </a:p>
+          <a:p>
+            <a:endParaRPr lang="en-US" b="1">
+              <a:solidFill>
+                <a:srgbClr val="24292F"/>
+              </a:solidFill>
+              <a:latin typeface="-apple-system"/>
+            </a:endParaRPr>
+          </a:p>
+          <a:p>
+            <a:pPr marL="285750" indent="-285750">
+              <a:buFont typeface="Wingdings"/>
+              <a:buChar char="v"/>
+            </a:pPr>
+            <a:r>
+              <a:rPr lang="en-US">
+                <a:solidFill>
+                  <a:srgbClr val="24292F"/>
+                </a:solidFill>
+                <a:latin typeface="-apple-system"/>
+              </a:rPr>
+              <a:t>   Main Objective of Support Vector Machine is find a hyperplane for an N Dimensional features that classify the data points. Hyper planes are decision boundaries that help classify the data points. </a:t>
+            </a:r>
+          </a:p>
+          <a:p>
+            <a:endParaRPr lang="en-US">
+              <a:solidFill>
+                <a:srgbClr val="24292F"/>
+              </a:solidFill>
+              <a:latin typeface="-apple-system"/>
+            </a:endParaRPr>
+          </a:p>
+          <a:p>
+            <a:pPr marL="285750" indent="-285750">
+              <a:buFont typeface="Wingdings"/>
+              <a:buChar char="v"/>
+            </a:pPr>
+            <a:r>
+              <a:rPr lang="en-US">
+                <a:solidFill>
+                  <a:srgbClr val="24292F"/>
+                </a:solidFill>
+                <a:latin typeface="-apple-system"/>
+              </a:rPr>
+              <a:t>Datas which on or near to the boundary (hyper plane) are called support vectors. Hence the name become Support Vector Machines. Hyper plane which contains maximum distance between support vectors is the best hyperplane we can select.</a:t>
+            </a:r>
+            <a:endParaRPr lang="en-US">
+              <a:solidFill>
+                <a:srgbClr val="000000"/>
+              </a:solidFill>
+              <a:latin typeface="Trebuchet MS" panose="020B0603020202020204"/>
+            </a:endParaRPr>
+          </a:p>
+          <a:p>
+            <a:endParaRPr lang="en-US">
+              <a:solidFill>
+                <a:srgbClr val="24292F"/>
+              </a:solidFill>
+              <a:latin typeface="-apple-system"/>
+            </a:endParaRPr>
+          </a:p>
+          <a:p>
+            <a:pPr marL="285750" indent="-285750">
+              <a:buFont typeface="Wingdings"/>
+              <a:buChar char="v"/>
+            </a:pPr>
+            <a:r>
+              <a:rPr lang="en-US">
+                <a:solidFill>
+                  <a:srgbClr val="24292F"/>
+                </a:solidFill>
+                <a:latin typeface="-apple-system"/>
+              </a:rPr>
+              <a:t>SVM has a special property it uses only the support vectors and the rest of the data points can be removed without affecting fitting the model. All Other classifiers uses all data points while fitting the model.</a:t>
+            </a:r>
+            <a:endParaRPr lang="en-US">
+              <a:solidFill>
+                <a:srgbClr val="000000"/>
+              </a:solidFill>
+              <a:latin typeface="Trebuchet MS" panose="020B0603020202020204"/>
+            </a:endParaRPr>
+          </a:p>
+          <a:p>
+            <a:endParaRPr lang="en-US" b="1">
+              <a:solidFill>
+                <a:srgbClr val="24292F"/>
+              </a:solidFill>
+              <a:latin typeface="-apple-system"/>
+            </a:endParaRPr>
+          </a:p>
+        </p:txBody>
+      </p:sp>
+    </p:spTree>
+    <p:extLst>
+      <p:ext uri="{BB962C8B-B14F-4D97-AF65-F5344CB8AC3E}">
+        <p14:creationId xmlns:p14="http://schemas.microsoft.com/office/powerpoint/2010/main" val="2648382483"/>
+      </p:ext>
+    </p:extLst>
+  </p:cSld>
+  <p:clrMapOvr>
+    <a:masterClrMapping/>
+  </p:clrMapOvr>
+</p:sld>
+</file>
+
 <file path=ppt/slides/slide15.xml><?xml version="1.0" encoding="utf-8"?>
 <p:sld xmlns:a="http://schemas.openxmlformats.org/drawingml/2006/main" xmlns:r="http://schemas.openxmlformats.org/officeDocument/2006/relationships" xmlns:p="http://schemas.openxmlformats.org/presentationml/2006/main">
   <p:cSld>
@@ -6575,285 +6674,6 @@
       </p:grpSpPr>
       <p:sp>
         <p:nvSpPr>
-          <p:cNvPr id="2" name="Title 1">
-            <a:extLst>
-              <a:ext uri="{FF2B5EF4-FFF2-40B4-BE49-F238E27FC236}">
-                <a16:creationId xmlns:a16="http://schemas.microsoft.com/office/drawing/2014/main" id="{4C67B4BE-A925-4096-896D-80EA0464062D}"/>
-              </a:ext>
-            </a:extLst>
-          </p:cNvPr>
-          <p:cNvSpPr>
-            <a:spLocks noGrp="1"/>
-          </p:cNvSpPr>
-          <p:nvPr>
-            <p:ph type="title"/>
-          </p:nvPr>
-        </p:nvSpPr>
-        <p:spPr>
-          <a:xfrm>
-            <a:off x="166236" y="107795"/>
-            <a:ext cx="8596668" cy="428703"/>
-          </a:xfrm>
-        </p:spPr>
-        <p:txBody>
-          <a:bodyPr>
-            <a:normAutofit fontScale="90000"/>
-          </a:bodyPr>
-          <a:lstStyle/>
-          <a:p>
-            <a:r>
-              <a:rPr lang="en-US" sz="2400" dirty="0">
-                <a:solidFill>
-                  <a:schemeClr val="tx1"/>
-                </a:solidFill>
-                <a:latin typeface="Arial Black"/>
-              </a:rPr>
-              <a:t>Machine Learning Models I used:</a:t>
-            </a:r>
-            <a:endParaRPr lang="en-US" dirty="0">
-              <a:solidFill>
-                <a:schemeClr val="tx1"/>
-              </a:solidFill>
-            </a:endParaRPr>
-          </a:p>
-        </p:txBody>
-      </p:sp>
-      <p:sp>
-        <p:nvSpPr>
-          <p:cNvPr id="6" name="TextBox 5">
-            <a:extLst>
-              <a:ext uri="{FF2B5EF4-FFF2-40B4-BE49-F238E27FC236}">
-                <a16:creationId xmlns:a16="http://schemas.microsoft.com/office/drawing/2014/main" id="{586C46CE-3CDD-44AE-B47A-738D2E78ECB5}"/>
-              </a:ext>
-            </a:extLst>
-          </p:cNvPr>
-          <p:cNvSpPr txBox="1"/>
-          <p:nvPr/>
-        </p:nvSpPr>
-        <p:spPr>
-          <a:xfrm>
-            <a:off x="449766" y="663498"/>
-            <a:ext cx="9935736" cy="5632311"/>
-          </a:xfrm>
-          <a:prstGeom prst="rect">
-            <a:avLst/>
-          </a:prstGeom>
-          <a:noFill/>
-        </p:spPr>
-        <p:txBody>
-          <a:bodyPr rot="0" spcFirstLastPara="0" vertOverflow="overflow" horzOverflow="overflow" vert="horz" wrap="square" lIns="91440" tIns="45720" rIns="91440" bIns="45720" numCol="1" spcCol="0" rtlCol="0" fromWordArt="0" anchor="t" anchorCtr="0" forceAA="0" compatLnSpc="1">
-            <a:prstTxWarp prst="textNoShape">
-              <a:avLst/>
-            </a:prstTxWarp>
-            <a:spAutoFit/>
-          </a:bodyPr>
-          <a:lstStyle/>
-          <a:p>
-            <a:r>
-              <a:rPr lang="en-US" b="1" dirty="0">
-                <a:solidFill>
-                  <a:srgbClr val="24292F"/>
-                </a:solidFill>
-                <a:latin typeface="-apple-system"/>
-              </a:rPr>
-              <a:t> </a:t>
-            </a:r>
-            <a:r>
-              <a:rPr lang="en-US" b="1" dirty="0">
-                <a:solidFill>
-                  <a:srgbClr val="24292F"/>
-                </a:solidFill>
-                <a:latin typeface="Arial Black"/>
-              </a:rPr>
-              <a:t>Logistic Regression:</a:t>
-            </a:r>
-            <a:endParaRPr lang="en-US" dirty="0"/>
-          </a:p>
-          <a:p>
-            <a:endParaRPr lang="en-US" b="1" dirty="0">
-              <a:solidFill>
-                <a:srgbClr val="24292F"/>
-              </a:solidFill>
-              <a:latin typeface="Arial Black"/>
-            </a:endParaRPr>
-          </a:p>
-          <a:p>
-            <a:pPr marL="285750" indent="-285750">
-              <a:buFont typeface="Wingdings"/>
-              <a:buChar char="v"/>
-            </a:pPr>
-            <a:r>
-              <a:rPr lang="en-US" dirty="0">
-                <a:solidFill>
-                  <a:srgbClr val="24292F"/>
-                </a:solidFill>
-                <a:latin typeface="-apple-system"/>
-              </a:rPr>
-              <a:t>   Logistic regression is a statistical analysis method to predict a binary outcome, such as yes or no, based on prior observations of a data set. </a:t>
-            </a:r>
-          </a:p>
-          <a:p>
-            <a:pPr marL="285750" indent="-285750">
-              <a:buFont typeface="Wingdings"/>
-              <a:buChar char="v"/>
-            </a:pPr>
-            <a:r>
-              <a:rPr lang="en-US" dirty="0">
-                <a:solidFill>
-                  <a:srgbClr val="24292F"/>
-                </a:solidFill>
-                <a:latin typeface="-apple-system"/>
-              </a:rPr>
-              <a:t>    Since it predicts probability, the output values lies between 0 and 1(probability always lies between 0 to 1)</a:t>
-            </a:r>
-            <a:endParaRPr lang="en-US"/>
-          </a:p>
-          <a:p>
-            <a:pPr marL="285750" indent="-285750">
-              <a:buFont typeface="Wingdings"/>
-              <a:buChar char="v"/>
-            </a:pPr>
-            <a:endParaRPr lang="en-US" dirty="0">
-              <a:solidFill>
-                <a:srgbClr val="24292F"/>
-              </a:solidFill>
-              <a:latin typeface="-apple-system"/>
-            </a:endParaRPr>
-          </a:p>
-          <a:p>
-            <a:r>
-              <a:rPr lang="en-US" b="1" dirty="0">
-                <a:solidFill>
-                  <a:srgbClr val="24292F"/>
-                </a:solidFill>
-                <a:latin typeface="Arial Black"/>
-              </a:rPr>
-              <a:t>Support Vector Machines</a:t>
-            </a:r>
-          </a:p>
-          <a:p>
-            <a:endParaRPr lang="en-US" b="1" dirty="0">
-              <a:solidFill>
-                <a:srgbClr val="24292F"/>
-              </a:solidFill>
-              <a:latin typeface="-apple-system"/>
-            </a:endParaRPr>
-          </a:p>
-          <a:p>
-            <a:pPr marL="285750" indent="-285750">
-              <a:buFont typeface="Wingdings"/>
-              <a:buChar char="v"/>
-            </a:pPr>
-            <a:r>
-              <a:rPr lang="en-US" dirty="0">
-                <a:solidFill>
-                  <a:srgbClr val="24292F"/>
-                </a:solidFill>
-                <a:latin typeface="-apple-system"/>
-              </a:rPr>
-              <a:t>   Main Objective of Support Vector Machine is find a hyperplane for an N Dimensional features that classify the data points. Hyper planes are decision boundaries that help classify the data points. </a:t>
-            </a:r>
-          </a:p>
-          <a:p>
-            <a:endParaRPr lang="en-US" dirty="0">
-              <a:solidFill>
-                <a:srgbClr val="24292F"/>
-              </a:solidFill>
-              <a:latin typeface="-apple-system"/>
-            </a:endParaRPr>
-          </a:p>
-          <a:p>
-            <a:pPr marL="285750" indent="-285750">
-              <a:buFont typeface="Wingdings"/>
-              <a:buChar char="v"/>
-            </a:pPr>
-            <a:r>
-              <a:rPr lang="en-US" dirty="0">
-                <a:solidFill>
-                  <a:srgbClr val="24292F"/>
-                </a:solidFill>
-                <a:latin typeface="-apple-system"/>
-              </a:rPr>
-              <a:t>Datas which on or near to the boundary (hyper plane) are called support vectors. Hence the name become Support Vector Machines. Hyper plane which contains maximum distance between support vectors is the best hyperplane we can select.</a:t>
-            </a:r>
-            <a:endParaRPr lang="en-US">
-              <a:solidFill>
-                <a:srgbClr val="000000"/>
-              </a:solidFill>
-              <a:latin typeface="Trebuchet MS" panose="020B0603020202020204"/>
-            </a:endParaRPr>
-          </a:p>
-          <a:p>
-            <a:endParaRPr lang="en-US" dirty="0">
-              <a:solidFill>
-                <a:srgbClr val="24292F"/>
-              </a:solidFill>
-              <a:latin typeface="-apple-system"/>
-            </a:endParaRPr>
-          </a:p>
-          <a:p>
-            <a:pPr marL="285750" indent="-285750">
-              <a:buFont typeface="Wingdings"/>
-              <a:buChar char="v"/>
-            </a:pPr>
-            <a:r>
-              <a:rPr lang="en-US" dirty="0">
-                <a:solidFill>
-                  <a:srgbClr val="24292F"/>
-                </a:solidFill>
-                <a:latin typeface="-apple-system"/>
-              </a:rPr>
-              <a:t>SVM has a special property it uses only the support vectors and the rest of the data points can be removed without affecting fitting the model. All Other classifiers uses all data points while fitting the model.</a:t>
-            </a:r>
-            <a:endParaRPr lang="en-US">
-              <a:solidFill>
-                <a:srgbClr val="000000"/>
-              </a:solidFill>
-              <a:latin typeface="Trebuchet MS" panose="020B0603020202020204"/>
-            </a:endParaRPr>
-          </a:p>
-          <a:p>
-            <a:endParaRPr lang="en-US" b="1" dirty="0">
-              <a:solidFill>
-                <a:srgbClr val="24292F"/>
-              </a:solidFill>
-              <a:latin typeface="-apple-system"/>
-            </a:endParaRPr>
-          </a:p>
-        </p:txBody>
-      </p:sp>
-    </p:spTree>
-    <p:extLst>
-      <p:ext uri="{BB962C8B-B14F-4D97-AF65-F5344CB8AC3E}">
-        <p14:creationId xmlns:p14="http://schemas.microsoft.com/office/powerpoint/2010/main" val="2648382483"/>
-      </p:ext>
-    </p:extLst>
-  </p:cSld>
-  <p:clrMapOvr>
-    <a:masterClrMapping/>
-  </p:clrMapOvr>
-</p:sld>
-</file>
-
-<file path=ppt/slides/slide16.xml><?xml version="1.0" encoding="utf-8"?>
-<p:sld xmlns:a="http://schemas.openxmlformats.org/drawingml/2006/main" xmlns:r="http://schemas.openxmlformats.org/officeDocument/2006/relationships" xmlns:p="http://schemas.openxmlformats.org/presentationml/2006/main">
-  <p:cSld>
-    <p:spTree>
-      <p:nvGrpSpPr>
-        <p:cNvPr id="1" name=""/>
-        <p:cNvGrpSpPr/>
-        <p:nvPr/>
-      </p:nvGrpSpPr>
-      <p:grpSpPr>
-        <a:xfrm>
-          <a:off x="0" y="0"/>
-          <a:ext cx="0" cy="0"/>
-          <a:chOff x="0" y="0"/>
-          <a:chExt cx="0" cy="0"/>
-        </a:xfrm>
-      </p:grpSpPr>
-      <p:sp>
-        <p:nvSpPr>
           <p:cNvPr id="4" name="TextBox 3">
             <a:extLst>
               <a:ext uri="{FF2B5EF4-FFF2-40B4-BE49-F238E27FC236}">
@@ -6884,7 +6704,7 @@
           <a:lstStyle/>
           <a:p>
             <a:r>
-              <a:rPr lang="en-US" b="1" dirty="0">
+              <a:rPr lang="en-US" b="1">
                 <a:solidFill>
                   <a:srgbClr val="24292F"/>
                 </a:solidFill>
@@ -6894,7 +6714,7 @@
               <a:t>Random Forest Classifier (Bagging technique)</a:t>
             </a:r>
             <a:r>
-              <a:rPr lang="en-US" dirty="0">
+              <a:rPr lang="en-US">
                 <a:latin typeface="Arial Black"/>
                 <a:cs typeface="Segoe UI"/>
               </a:rPr>
@@ -6902,7 +6722,7 @@
             </a:r>
           </a:p>
           <a:p>
-            <a:endParaRPr lang="en-US" dirty="0">
+            <a:endParaRPr lang="en-US">
               <a:solidFill>
                 <a:srgbClr val="24292F"/>
               </a:solidFill>
@@ -6916,7 +6736,7 @@
               <a:buChar char="v"/>
             </a:pPr>
             <a:r>
-              <a:rPr lang="en-US" dirty="0">
+              <a:rPr lang="en-US">
                 <a:solidFill>
                   <a:srgbClr val="24292F"/>
                 </a:solidFill>
@@ -6926,13 +6746,13 @@
               <a:t>Random Forest is a bagging(bootstrap aggregating) technique. Base estimator is decision tree. RF combines various decision trees to produce more generalized model. We can reduce high variance using bagging. Independent estimators</a:t>
             </a:r>
             <a:r>
-              <a:rPr lang="en-US" dirty="0">
+              <a:rPr lang="en-US">
                 <a:latin typeface="-apple-system"/>
                 <a:cs typeface="Arial"/>
               </a:rPr>
               <a:t>​.</a:t>
             </a:r>
-            <a:endParaRPr lang="en-US" dirty="0">
+            <a:endParaRPr lang="en-US">
               <a:solidFill>
                 <a:srgbClr val="000000"/>
               </a:solidFill>
@@ -6941,7 +6761,7 @@
             </a:endParaRPr>
           </a:p>
           <a:p>
-            <a:endParaRPr lang="en-US" dirty="0">
+            <a:endParaRPr lang="en-US">
               <a:solidFill>
                 <a:srgbClr val="000000"/>
               </a:solidFill>
@@ -6955,7 +6775,7 @@
               <a:buChar char="v"/>
             </a:pPr>
             <a:r>
-              <a:rPr lang="en-US" dirty="0">
+              <a:rPr lang="en-US">
                 <a:solidFill>
                   <a:srgbClr val="24292F"/>
                 </a:solidFill>
@@ -6965,19 +6785,19 @@
               <a:t>Each tree will split based on different features. Since it is a bagging technique, RF is a parallel process, meaning - doesn't wait for the previous process to be done.</a:t>
             </a:r>
             <a:r>
-              <a:rPr lang="en-US" dirty="0">
+              <a:rPr lang="en-US">
                 <a:latin typeface="-apple-system"/>
                 <a:cs typeface="Arial"/>
               </a:rPr>
               <a:t>​</a:t>
             </a:r>
-            <a:endParaRPr lang="en-US" dirty="0">
+            <a:endParaRPr lang="en-US">
               <a:latin typeface="Trebuchet MS" panose="020B0603020202020204"/>
               <a:cs typeface="Arial"/>
             </a:endParaRPr>
           </a:p>
           <a:p>
-            <a:endParaRPr lang="en-US" dirty="0">
+            <a:endParaRPr lang="en-US">
               <a:solidFill>
                 <a:srgbClr val="000000"/>
               </a:solidFill>
@@ -6987,7 +6807,7 @@
           </a:p>
           <a:p>
             <a:r>
-              <a:rPr lang="en-US" b="1" dirty="0">
+              <a:rPr lang="en-US" b="1">
                 <a:solidFill>
                   <a:srgbClr val="24292F"/>
                 </a:solidFill>
@@ -6997,7 +6817,7 @@
               <a:t>XG Boost Classifier (Boosting technique)</a:t>
             </a:r>
             <a:r>
-              <a:rPr lang="en-US" dirty="0">
+              <a:rPr lang="en-US">
                 <a:latin typeface="Arial Black"/>
                 <a:cs typeface="Segoe UI"/>
               </a:rPr>
@@ -7005,7 +6825,7 @@
             </a:r>
           </a:p>
           <a:p>
-            <a:endParaRPr lang="en-US" dirty="0">
+            <a:endParaRPr lang="en-US">
               <a:solidFill>
                 <a:srgbClr val="24292F"/>
               </a:solidFill>
@@ -7019,7 +6839,7 @@
               <a:buChar char="v"/>
             </a:pPr>
             <a:r>
-              <a:rPr lang="en-US" dirty="0">
+              <a:rPr lang="en-US">
                 <a:solidFill>
                   <a:srgbClr val="24292F"/>
                 </a:solidFill>
@@ -7045,7 +6865,7 @@
 </p:sld>
 </file>
 
-<file path=ppt/slides/slide17.xml><?xml version="1.0" encoding="utf-8"?>
+<file path=ppt/slides/slide16.xml><?xml version="1.0" encoding="utf-8"?>
 <p:sld xmlns:a="http://schemas.openxmlformats.org/drawingml/2006/main" xmlns:r="http://schemas.openxmlformats.org/officeDocument/2006/relationships" xmlns:p="http://schemas.openxmlformats.org/presentationml/2006/main">
   <p:cSld>
     <p:spTree>
@@ -7104,7 +6924,7 @@
 </p:sld>
 </file>
 
-<file path=ppt/slides/slide18.xml><?xml version="1.0" encoding="utf-8"?>
+<file path=ppt/slides/slide17.xml><?xml version="1.0" encoding="utf-8"?>
 <p:sld xmlns:a="http://schemas.openxmlformats.org/drawingml/2006/main" xmlns:r="http://schemas.openxmlformats.org/officeDocument/2006/relationships" xmlns:p="http://schemas.openxmlformats.org/presentationml/2006/main">
   <p:cSld>
     <p:spTree>
@@ -7145,7 +6965,7 @@
           <a:lstStyle/>
           <a:p>
             <a:r>
-              <a:rPr lang="en-US" sz="2400" dirty="0">
+              <a:rPr lang="en-US" sz="2400">
                 <a:solidFill>
                   <a:schemeClr val="tx1"/>
                 </a:solidFill>
@@ -7155,7 +6975,7 @@
               </a:rPr>
               <a:t>Hyper parameter tuning</a:t>
             </a:r>
-            <a:endParaRPr lang="en-US" sz="2400" dirty="0">
+            <a:endParaRPr lang="en-US" sz="2400">
               <a:solidFill>
                 <a:schemeClr val="tx1"/>
               </a:solidFill>
@@ -7163,7 +6983,7 @@
             </a:endParaRPr>
           </a:p>
           <a:p>
-            <a:endParaRPr lang="en-US" sz="2400" dirty="0">
+            <a:endParaRPr lang="en-US" sz="2400">
               <a:solidFill>
                 <a:schemeClr val="tx1"/>
               </a:solidFill>
@@ -7172,7 +6992,7 @@
           </a:p>
           <a:p>
             <a:r>
-              <a:rPr lang="en-US" sz="2400" dirty="0">
+              <a:rPr lang="en-US" sz="2400">
                 <a:solidFill>
                   <a:schemeClr val="tx1"/>
                 </a:solidFill>
@@ -7183,7 +7003,7 @@
               <a:t>* </a:t>
             </a:r>
             <a:r>
-              <a:rPr lang="en-US" sz="2400" dirty="0">
+              <a:rPr lang="en-US" sz="2400">
                 <a:solidFill>
                   <a:schemeClr val="tx1"/>
                 </a:solidFill>
@@ -7201,7 +7021,7 @@
             </a:endParaRPr>
           </a:p>
           <a:p>
-            <a:endParaRPr lang="en-US" sz="2400" dirty="0">
+            <a:endParaRPr lang="en-US" sz="2400">
               <a:solidFill>
                 <a:schemeClr val="tx1"/>
               </a:solidFill>
@@ -7210,7 +7030,7 @@
           </a:p>
           <a:p>
             <a:r>
-              <a:rPr lang="en-US" sz="2400" dirty="0">
+              <a:rPr lang="en-US" sz="2400">
                 <a:solidFill>
                   <a:schemeClr val="tx1"/>
                 </a:solidFill>
@@ -7242,7 +7062,7 @@
 </p:sld>
 </file>
 
-<file path=ppt/slides/slide19.xml><?xml version="1.0" encoding="utf-8"?>
+<file path=ppt/slides/slide18.xml><?xml version="1.0" encoding="utf-8"?>
 <p:sld xmlns:a="http://schemas.openxmlformats.org/drawingml/2006/main" xmlns:r="http://schemas.openxmlformats.org/officeDocument/2006/relationships" xmlns:p="http://schemas.openxmlformats.org/presentationml/2006/main">
   <p:cSld>
     <p:spTree>
@@ -7302,6 +7122,65 @@
 </p:sld>
 </file>
 
+<file path=ppt/slides/slide19.xml><?xml version="1.0" encoding="utf-8"?>
+<p:sld xmlns:a="http://schemas.openxmlformats.org/drawingml/2006/main" xmlns:r="http://schemas.openxmlformats.org/officeDocument/2006/relationships" xmlns:p="http://schemas.openxmlformats.org/presentationml/2006/main">
+  <p:cSld>
+    <p:spTree>
+      <p:nvGrpSpPr>
+        <p:cNvPr id="1" name=""/>
+        <p:cNvGrpSpPr/>
+        <p:nvPr/>
+      </p:nvGrpSpPr>
+      <p:grpSpPr>
+        <a:xfrm>
+          <a:off x="0" y="0"/>
+          <a:ext cx="0" cy="0"/>
+          <a:chOff x="0" y="0"/>
+          <a:chExt cx="0" cy="0"/>
+        </a:xfrm>
+      </p:grpSpPr>
+      <p:pic>
+        <p:nvPicPr>
+          <p:cNvPr id="4" name="Picture 4" descr="Graphical user interface, text, application&#10;&#10;Description automatically generated">
+            <a:extLst>
+              <a:ext uri="{FF2B5EF4-FFF2-40B4-BE49-F238E27FC236}">
+                <a16:creationId xmlns:a16="http://schemas.microsoft.com/office/drawing/2014/main" id="{93A243B2-992F-4FC6-AE65-BC46951DB6BD}"/>
+              </a:ext>
+            </a:extLst>
+          </p:cNvPr>
+          <p:cNvPicPr>
+            <a:picLocks noGrp="1" noChangeAspect="1"/>
+          </p:cNvPicPr>
+          <p:nvPr>
+            <p:ph idx="1"/>
+          </p:nvPr>
+        </p:nvPicPr>
+        <p:blipFill>
+          <a:blip r:embed="rId2"/>
+          <a:stretch>
+            <a:fillRect/>
+          </a:stretch>
+        </p:blipFill>
+        <p:spPr>
+          <a:xfrm>
+            <a:off x="1012977" y="2031140"/>
+            <a:ext cx="8596668" cy="1944386"/>
+          </a:xfrm>
+        </p:spPr>
+      </p:pic>
+    </p:spTree>
+    <p:extLst>
+      <p:ext uri="{BB962C8B-B14F-4D97-AF65-F5344CB8AC3E}">
+        <p14:creationId xmlns:p14="http://schemas.microsoft.com/office/powerpoint/2010/main" val="2686960308"/>
+      </p:ext>
+    </p:extLst>
+  </p:cSld>
+  <p:clrMapOvr>
+    <a:masterClrMapping/>
+  </p:clrMapOvr>
+</p:sld>
+</file>
+
 <file path=ppt/slides/slide2.xml><?xml version="1.0" encoding="utf-8"?>
 <p:sld xmlns:a="http://schemas.openxmlformats.org/drawingml/2006/main" xmlns:r="http://schemas.openxmlformats.org/officeDocument/2006/relationships" xmlns:p="http://schemas.openxmlformats.org/presentationml/2006/main">
   <p:cSld>
@@ -7348,14 +7227,14 @@
           <a:lstStyle/>
           <a:p>
             <a:r>
-              <a:rPr lang="en-US" b="1" dirty="0">
+              <a:rPr lang="en-US" b="1">
                 <a:solidFill>
                   <a:schemeClr val="tx1"/>
                 </a:solidFill>
               </a:rPr>
               <a:t>Objective of this project</a:t>
             </a:r>
-            <a:endParaRPr lang="en-US" dirty="0">
+            <a:endParaRPr lang="en-US">
               <a:solidFill>
                 <a:schemeClr val="tx1"/>
               </a:solidFill>
@@ -7363,10 +7242,10 @@
           </a:p>
           <a:p>
             <a:br>
-              <a:rPr lang="en-US" dirty="0"/>
+              <a:rPr lang="en-US"/>
             </a:br>
             <a:br>
-              <a:rPr lang="en-US" dirty="0"/>
+              <a:rPr lang="en-US"/>
             </a:br>
             <a:endParaRPr lang="en-US"/>
           </a:p>
@@ -7405,20 +7284,20 @@
               <a:buChar char="v"/>
             </a:pPr>
             <a:r>
-              <a:rPr lang="en-US" sz="2400" b="1" dirty="0">
+              <a:rPr lang="en-US" sz="2400" b="1">
                 <a:ea typeface="+mn-lt"/>
                 <a:cs typeface="+mn-lt"/>
               </a:rPr>
               <a:t>My goal is to predict the number of customers leaving phone service</a:t>
             </a:r>
             <a:r>
-              <a:rPr lang="en-US" sz="2400" dirty="0">
+              <a:rPr lang="en-US" sz="2400">
                 <a:ea typeface="+mn-lt"/>
                 <a:cs typeface="+mn-lt"/>
               </a:rPr>
               <a:t>. </a:t>
             </a:r>
-            <a:endParaRPr lang="en-US" dirty="0">
+            <a:endParaRPr lang="en-US">
               <a:ea typeface="+mn-lt"/>
               <a:cs typeface="+mn-lt"/>
             </a:endParaRPr>
@@ -7429,7 +7308,7 @@
               <a:buChar char="v"/>
             </a:pPr>
             <a:r>
-              <a:rPr lang="en-US" sz="2400" dirty="0">
+              <a:rPr lang="en-US" sz="2400">
                 <a:ea typeface="+mn-lt"/>
                 <a:cs typeface="+mn-lt"/>
               </a:rPr>
@@ -7446,13 +7325,13 @@
               <a:buChar char="v"/>
             </a:pPr>
             <a:r>
-              <a:rPr lang="en-US" sz="2400" dirty="0">
+              <a:rPr lang="en-US" sz="2400">
                 <a:ea typeface="+mn-lt"/>
                 <a:cs typeface="+mn-lt"/>
               </a:rPr>
               <a:t>Therefore, finding factors that increase customer churn is important to take necessary actions to reduce this churn.</a:t>
             </a:r>
-            <a:endParaRPr lang="en-US" dirty="0">
+            <a:endParaRPr lang="en-US">
               <a:ea typeface="+mn-lt"/>
               <a:cs typeface="+mn-lt"/>
             </a:endParaRPr>
@@ -7463,13 +7342,13 @@
               <a:buChar char="v"/>
             </a:pPr>
             <a:r>
-              <a:rPr lang="en-US" sz="2400" dirty="0">
+              <a:rPr lang="en-US" sz="2400">
                 <a:ea typeface="+mn-lt"/>
                 <a:cs typeface="+mn-lt"/>
               </a:rPr>
               <a:t>Since it is churning customer(Yes) or not(No), this problem comes under classification.</a:t>
             </a:r>
-            <a:endParaRPr lang="en-US" dirty="0">
+            <a:endParaRPr lang="en-US">
               <a:ea typeface="+mn-lt"/>
               <a:cs typeface="+mn-lt"/>
             </a:endParaRPr>
@@ -7480,7 +7359,7 @@
               <a:buChar char="v"/>
             </a:pPr>
             <a:r>
-              <a:rPr lang="en-US" sz="2400" dirty="0">
+              <a:rPr lang="en-US" sz="2400">
                 <a:ea typeface="+mn-lt"/>
                 <a:cs typeface="+mn-lt"/>
               </a:rPr>
@@ -7491,60 +7370,60 @@
           <a:p>
             <a:pPr lvl="1"/>
             <a:r>
-              <a:rPr lang="en-US" sz="2400" dirty="0">
+              <a:rPr lang="en-US" sz="2400">
                 <a:ea typeface="+mn-lt"/>
                 <a:cs typeface="+mn-lt"/>
               </a:rPr>
               <a:t>Data Cleaning and Exploratory Data Analysis.</a:t>
             </a:r>
-            <a:endParaRPr lang="en-US" dirty="0"/>
+            <a:endParaRPr lang="en-US"/>
           </a:p>
           <a:p>
             <a:pPr lvl="1"/>
             <a:r>
-              <a:rPr lang="en-US" sz="2400" dirty="0">
+              <a:rPr lang="en-US" sz="2400">
                 <a:ea typeface="+mn-lt"/>
                 <a:cs typeface="+mn-lt"/>
               </a:rPr>
               <a:t>ETL</a:t>
             </a:r>
-            <a:endParaRPr lang="en-US" dirty="0"/>
+            <a:endParaRPr lang="en-US"/>
           </a:p>
           <a:p>
             <a:pPr lvl="1"/>
             <a:r>
-              <a:rPr lang="en-US" sz="2400" dirty="0">
+              <a:rPr lang="en-US" sz="2400">
                 <a:ea typeface="+mn-lt"/>
                 <a:cs typeface="+mn-lt"/>
               </a:rPr>
               <a:t>Model Selection and hyperparameter Tuning.</a:t>
             </a:r>
-            <a:endParaRPr lang="en-US" dirty="0"/>
+            <a:endParaRPr lang="en-US"/>
           </a:p>
           <a:p>
             <a:pPr lvl="1"/>
             <a:r>
-              <a:rPr lang="en-US" sz="2400" dirty="0">
+              <a:rPr lang="en-US" sz="2400">
                 <a:ea typeface="+mn-lt"/>
                 <a:cs typeface="+mn-lt"/>
               </a:rPr>
               <a:t>Result Interpretation.</a:t>
             </a:r>
-            <a:endParaRPr lang="en-US" dirty="0"/>
+            <a:endParaRPr lang="en-US"/>
           </a:p>
           <a:p>
             <a:pPr>
               <a:buFont typeface="Wingdings" charset="2"/>
               <a:buChar char="v"/>
             </a:pPr>
-            <a:endParaRPr lang="en-US" sz="2400" dirty="0"/>
+            <a:endParaRPr lang="en-US" sz="2400"/>
           </a:p>
           <a:p>
             <a:pPr>
               <a:buFont typeface="Wingdings" charset="2"/>
               <a:buChar char="v"/>
             </a:pPr>
-            <a:endParaRPr lang="en-US" sz="2400" dirty="0"/>
+            <a:endParaRPr lang="en-US" sz="2400"/>
           </a:p>
         </p:txBody>
       </p:sp>
@@ -7578,39 +7457,94 @@
           <a:chExt cx="0" cy="0"/>
         </a:xfrm>
       </p:grpSpPr>
-      <p:pic>
-        <p:nvPicPr>
-          <p:cNvPr id="4" name="Picture 4" descr="Graphical user interface, text, application&#10;&#10;Description automatically generated">
+      <p:sp>
+        <p:nvSpPr>
+          <p:cNvPr id="3" name="Content Placeholder 2">
             <a:extLst>
               <a:ext uri="{FF2B5EF4-FFF2-40B4-BE49-F238E27FC236}">
-                <a16:creationId xmlns:a16="http://schemas.microsoft.com/office/drawing/2014/main" id="{93A243B2-992F-4FC6-AE65-BC46951DB6BD}"/>
+                <a16:creationId xmlns:a16="http://schemas.microsoft.com/office/drawing/2014/main" id="{22AAA9F7-FD98-4AC6-87E9-E24A9D63202F}"/>
               </a:ext>
             </a:extLst>
           </p:cNvPr>
-          <p:cNvPicPr>
-            <a:picLocks noGrp="1" noChangeAspect="1"/>
-          </p:cNvPicPr>
+          <p:cNvSpPr>
+            <a:spLocks noGrp="1"/>
+          </p:cNvSpPr>
           <p:nvPr>
             <p:ph idx="1"/>
           </p:nvPr>
-        </p:nvPicPr>
-        <p:blipFill>
-          <a:blip r:embed="rId2"/>
-          <a:stretch>
-            <a:fillRect/>
-          </a:stretch>
-        </p:blipFill>
+        </p:nvSpPr>
         <p:spPr>
           <a:xfrm>
-            <a:off x="1012977" y="2031140"/>
-            <a:ext cx="8596668" cy="1944386"/>
+            <a:off x="1040191" y="1489303"/>
+            <a:ext cx="8596668" cy="3880773"/>
           </a:xfrm>
         </p:spPr>
-      </p:pic>
+        <p:txBody>
+          <a:bodyPr vert="horz" lIns="91440" tIns="45720" rIns="91440" bIns="45720" rtlCol="0" anchor="t">
+            <a:normAutofit/>
+          </a:bodyPr>
+          <a:lstStyle/>
+          <a:p>
+            <a:r>
+              <a:rPr lang="en-US" sz="2400" b="1">
+                <a:latin typeface="Arial Black"/>
+              </a:rPr>
+              <a:t>Conclusion</a:t>
+            </a:r>
+            <a:endParaRPr lang="en-US" sz="2400">
+              <a:latin typeface="Arial Black"/>
+            </a:endParaRPr>
+          </a:p>
+          <a:p>
+            <a:pPr marL="0" indent="0">
+              <a:buNone/>
+            </a:pPr>
+            <a:r>
+              <a:rPr lang="en-US" dirty="0">
+                <a:ea typeface="+mn-lt"/>
+                <a:cs typeface="+mn-lt"/>
+              </a:rPr>
+              <a:t>            </a:t>
+            </a:r>
+            <a:r>
+              <a:rPr lang="en-US" dirty="0">
+                <a:latin typeface="-apple-system"/>
+                <a:ea typeface="+mn-lt"/>
+                <a:cs typeface="+mn-lt"/>
+              </a:rPr>
+              <a:t> I have started by cleaning the telco customer churn data and analyzing it with visualization. Stored the data in a database and used ETL to get it there. Created a data model. Then, to be able to build a machine learning model, transformed the categorical </a:t>
+            </a:r>
+            <a:r>
+              <a:rPr lang="en-US">
+                <a:latin typeface="-apple-system"/>
+                <a:ea typeface="+mn-lt"/>
+                <a:cs typeface="+mn-lt"/>
+              </a:rPr>
+              <a:t>data into numeric variables (feature engineering). After transforming the data, I tried four </a:t>
+            </a:r>
+            <a:r>
+              <a:rPr lang="en-US" dirty="0">
+                <a:latin typeface="-apple-system"/>
+                <a:ea typeface="+mn-lt"/>
+                <a:cs typeface="+mn-lt"/>
+              </a:rPr>
+              <a:t>different machine learning algorithms using default parameters. And then, tuned the hyperparameters of those algorithms for model optimization, obtaining an AUC score of 87% from Logistic Regression Algorithm.</a:t>
+            </a:r>
+            <a:endParaRPr lang="en-US" dirty="0">
+              <a:latin typeface="-apple-system"/>
+            </a:endParaRPr>
+          </a:p>
+          <a:p>
+            <a:endParaRPr lang="en-US">
+              <a:latin typeface="-apple-system"/>
+            </a:endParaRPr>
+          </a:p>
+        </p:txBody>
+      </p:sp>
     </p:spTree>
     <p:extLst>
       <p:ext uri="{BB962C8B-B14F-4D97-AF65-F5344CB8AC3E}">
-        <p14:creationId xmlns:p14="http://schemas.microsoft.com/office/powerpoint/2010/main" val="2686960308"/>
+        <p14:creationId xmlns:p14="http://schemas.microsoft.com/office/powerpoint/2010/main" val="41003667"/>
       </p:ext>
     </p:extLst>
   </p:cSld>
@@ -7642,104 +7576,6 @@
           <p:cNvPr id="3" name="Content Placeholder 2">
             <a:extLst>
               <a:ext uri="{FF2B5EF4-FFF2-40B4-BE49-F238E27FC236}">
-                <a16:creationId xmlns:a16="http://schemas.microsoft.com/office/drawing/2014/main" id="{22AAA9F7-FD98-4AC6-87E9-E24A9D63202F}"/>
-              </a:ext>
-            </a:extLst>
-          </p:cNvPr>
-          <p:cNvSpPr>
-            <a:spLocks noGrp="1"/>
-          </p:cNvSpPr>
-          <p:nvPr>
-            <p:ph idx="1"/>
-          </p:nvPr>
-        </p:nvSpPr>
-        <p:spPr>
-          <a:xfrm>
-            <a:off x="1040191" y="1489303"/>
-            <a:ext cx="8596668" cy="3880773"/>
-          </a:xfrm>
-        </p:spPr>
-        <p:txBody>
-          <a:bodyPr vert="horz" lIns="91440" tIns="45720" rIns="91440" bIns="45720" rtlCol="0" anchor="t">
-            <a:normAutofit/>
-          </a:bodyPr>
-          <a:lstStyle/>
-          <a:p>
-            <a:r>
-              <a:rPr lang="en-US" sz="2400" b="1" dirty="0">
-                <a:latin typeface="Arial Black"/>
-              </a:rPr>
-              <a:t>Conclusion</a:t>
-            </a:r>
-            <a:endParaRPr lang="en-US" sz="2400">
-              <a:latin typeface="Arial Black"/>
-            </a:endParaRPr>
-          </a:p>
-          <a:p>
-            <a:pPr marL="0" indent="0">
-              <a:buNone/>
-            </a:pPr>
-            <a:r>
-              <a:rPr lang="en-US" dirty="0">
-                <a:ea typeface="+mn-lt"/>
-                <a:cs typeface="+mn-lt"/>
-              </a:rPr>
-              <a:t>            </a:t>
-            </a:r>
-            <a:r>
-              <a:rPr lang="en-US" dirty="0">
-                <a:latin typeface="-apple-system"/>
-                <a:ea typeface="+mn-lt"/>
-                <a:cs typeface="+mn-lt"/>
-              </a:rPr>
-              <a:t> I have started by cleaning the telco customer churn data and analyzing it with visualization. Stored the data in a database and used ETL to get it there. Created a data model. Then, to be able to build a machine learning model, transformed the categorical data into numeric variables (feature engineering). After transforming the data, I tried 4 different machine learning algorithms using default parameters. And then, tuned the hyperparameters of those algorithms for model optimization, obtaining an AUC score of 87% from Logistic Regression Algorithm.</a:t>
-            </a:r>
-            <a:endParaRPr lang="en-US">
-              <a:latin typeface="-apple-system"/>
-            </a:endParaRPr>
-          </a:p>
-          <a:p>
-            <a:endParaRPr lang="en-US" dirty="0">
-              <a:latin typeface="-apple-system"/>
-            </a:endParaRPr>
-          </a:p>
-        </p:txBody>
-      </p:sp>
-    </p:spTree>
-    <p:extLst>
-      <p:ext uri="{BB962C8B-B14F-4D97-AF65-F5344CB8AC3E}">
-        <p14:creationId xmlns:p14="http://schemas.microsoft.com/office/powerpoint/2010/main" val="41003667"/>
-      </p:ext>
-    </p:extLst>
-  </p:cSld>
-  <p:clrMapOvr>
-    <a:masterClrMapping/>
-  </p:clrMapOvr>
-</p:sld>
-</file>
-
-<file path=ppt/slides/slide22.xml><?xml version="1.0" encoding="utf-8"?>
-<p:sld xmlns:a="http://schemas.openxmlformats.org/drawingml/2006/main" xmlns:r="http://schemas.openxmlformats.org/officeDocument/2006/relationships" xmlns:p="http://schemas.openxmlformats.org/presentationml/2006/main">
-  <p:cSld>
-    <p:spTree>
-      <p:nvGrpSpPr>
-        <p:cNvPr id="1" name=""/>
-        <p:cNvGrpSpPr/>
-        <p:nvPr/>
-      </p:nvGrpSpPr>
-      <p:grpSpPr>
-        <a:xfrm>
-          <a:off x="0" y="0"/>
-          <a:ext cx="0" cy="0"/>
-          <a:chOff x="0" y="0"/>
-          <a:chExt cx="0" cy="0"/>
-        </a:xfrm>
-      </p:grpSpPr>
-      <p:sp>
-        <p:nvSpPr>
-          <p:cNvPr id="3" name="Content Placeholder 2">
-            <a:extLst>
-              <a:ext uri="{FF2B5EF4-FFF2-40B4-BE49-F238E27FC236}">
                 <a16:creationId xmlns:a16="http://schemas.microsoft.com/office/drawing/2014/main" id="{EF5CDC0B-80FB-41F0-92D9-27385625A8BD}"/>
               </a:ext>
             </a:extLst>
@@ -7766,20 +7602,20 @@
             <a:endParaRPr lang="en-US"/>
           </a:p>
           <a:p>
-            <a:endParaRPr lang="en-US" dirty="0"/>
-          </a:p>
-          <a:p>
-            <a:endParaRPr lang="en-US" dirty="0"/>
-          </a:p>
-          <a:p>
-            <a:endParaRPr lang="en-US" dirty="0"/>
+            <a:endParaRPr lang="en-US"/>
+          </a:p>
+          <a:p>
+            <a:endParaRPr lang="en-US"/>
+          </a:p>
+          <a:p>
+            <a:endParaRPr lang="en-US"/>
           </a:p>
           <a:p>
             <a:pPr marL="457200" lvl="1" indent="0" algn="ctr">
               <a:buNone/>
             </a:pPr>
             <a:r>
-              <a:rPr lang="en-US" sz="4400" dirty="0">
+              <a:rPr lang="en-US" sz="4400">
                 <a:latin typeface="Arial Black"/>
               </a:rPr>
               <a:t>THANK YOU!!!</a:t>
@@ -7839,10 +7675,10 @@
           <a:lstStyle/>
           <a:p>
             <a:r>
-              <a:rPr lang="en-US" b="1" dirty="0"/>
+              <a:rPr lang="en-US" b="1"/>
               <a:t>Exploratory Data Analysis(EDA)</a:t>
             </a:r>
-            <a:endParaRPr lang="en-US" dirty="0"/>
+            <a:endParaRPr lang="en-US"/>
           </a:p>
           <a:p>
             <a:pPr marL="171450" indent="-171450">
@@ -7850,7 +7686,7 @@
               <a:buChar char="•"/>
             </a:pPr>
             <a:r>
-              <a:rPr lang="en-US" sz="1200" dirty="0">
+              <a:rPr lang="en-US" sz="1200">
                 <a:ea typeface="+mn-lt"/>
                 <a:cs typeface="+mn-lt"/>
               </a:rPr>
@@ -7859,7 +7695,7 @@
             <a:endParaRPr lang="en-US" sz="1200"/>
           </a:p>
           <a:p>
-            <a:endParaRPr lang="en-US" sz="1200" dirty="0">
+            <a:endParaRPr lang="en-US" sz="1200">
               <a:solidFill>
                 <a:srgbClr val="000000"/>
               </a:solidFill>
@@ -8047,7 +7883,7 @@
           <a:lstStyle/>
           <a:p>
             <a:r>
-              <a:rPr lang="en-US" sz="2400" b="1" dirty="0">
+              <a:rPr lang="en-US" sz="2400" b="1">
                 <a:solidFill>
                   <a:schemeClr val="tx1"/>
                 </a:solidFill>
@@ -8103,7 +7939,7 @@
               <a:buChar char="v"/>
             </a:pPr>
             <a:r>
-              <a:rPr lang="en-US" dirty="0"/>
+              <a:rPr lang="en-US"/>
               <a:t>From the plot, we can say that most of the churning customers are in month to month contract.</a:t>
             </a:r>
           </a:p>
@@ -8116,10 +7952,10 @@
               <a:buChar char="v"/>
             </a:pPr>
             <a:r>
-              <a:rPr lang="en-US" dirty="0"/>
+              <a:rPr lang="en-US"/>
               <a:t>Customers who have been with the service less than 10 months are churning more.</a:t>
             </a:r>
-            <a:endParaRPr lang="en-US" dirty="0">
+            <a:endParaRPr lang="en-US">
               <a:ea typeface="+mn-lt"/>
               <a:cs typeface="+mn-lt"/>
             </a:endParaRPr>
@@ -8133,10 +7969,10 @@
               <a:buChar char="v"/>
             </a:pPr>
             <a:r>
-              <a:rPr lang="en-US" dirty="0"/>
+              <a:rPr lang="en-US"/>
               <a:t>Monthly Charges ranges from 70-100 dollars are one of the reason for more customers leaving. A customer with low monthly charges (&lt;30) produce is much more likely to be retained.</a:t>
             </a:r>
-            <a:endParaRPr lang="en-US" dirty="0">
+            <a:endParaRPr lang="en-US">
               <a:ea typeface="+mn-lt"/>
               <a:cs typeface="+mn-lt"/>
             </a:endParaRPr>
@@ -8150,7 +7986,7 @@
               <a:buChar char="v"/>
             </a:pPr>
             <a:r>
-              <a:rPr lang="en-US" dirty="0"/>
+              <a:rPr lang="en-US"/>
               <a:t>If Customers and their dependents are using the service, they aren't churning more.</a:t>
             </a:r>
             <a:endParaRPr lang="en-US">
@@ -8164,13 +8000,13 @@
                 <a:spcPct val="0"/>
               </a:spcBef>
             </a:pPr>
-            <a:endParaRPr lang="en-US" dirty="0">
+            <a:endParaRPr lang="en-US">
               <a:ea typeface="+mn-lt"/>
               <a:cs typeface="+mn-lt"/>
             </a:endParaRPr>
           </a:p>
           <a:p>
-            <a:endParaRPr lang="en-US" dirty="0"/>
+            <a:endParaRPr lang="en-US"/>
           </a:p>
         </p:txBody>
       </p:sp>
@@ -8209,7 +8045,7 @@
           <p:cNvPr id="2" name="Title 1">
             <a:extLst>
               <a:ext uri="{FF2B5EF4-FFF2-40B4-BE49-F238E27FC236}">
-                <a16:creationId xmlns:a16="http://schemas.microsoft.com/office/drawing/2014/main" id="{301C6B6B-EBAC-4A66-BD89-122B044250E9}"/>
+                <a16:creationId xmlns:a16="http://schemas.microsoft.com/office/drawing/2014/main" id="{78BE9CBD-8B48-499D-A228-9752558C0998}"/>
               </a:ext>
             </a:extLst>
           </p:cNvPr>
@@ -8222,29 +8058,22 @@
         </p:nvSpPr>
         <p:spPr>
           <a:xfrm>
-            <a:off x="677334" y="609600"/>
-            <a:ext cx="8596668" cy="521630"/>
+            <a:off x="795262" y="609600"/>
+            <a:ext cx="8478740" cy="522515"/>
           </a:xfrm>
         </p:spPr>
         <p:txBody>
           <a:bodyPr/>
           <a:lstStyle/>
           <a:p>
-            <a:pPr>
-              <a:spcBef>
-                <a:spcPts val="1000"/>
-              </a:spcBef>
-            </a:pPr>
-            <a:r>
-              <a:rPr lang="en-US" sz="2400" dirty="0">
+            <a:r>
+              <a:rPr lang="en-US" sz="2400" b="1">
                 <a:solidFill>
                   <a:schemeClr val="tx1"/>
                 </a:solidFill>
                 <a:latin typeface="Arial Black"/>
-                <a:ea typeface="+mj-lt"/>
-                <a:cs typeface="+mj-lt"/>
               </a:rPr>
-              <a:t>Recommendations to retain customers</a:t>
+              <a:t>Preprocessing</a:t>
             </a:r>
             <a:endParaRPr lang="en-US" sz="2400">
               <a:solidFill>
@@ -8254,166 +8083,7 @@
             </a:endParaRPr>
           </a:p>
           <a:p>
-            <a:endParaRPr lang="en-US" dirty="0"/>
-          </a:p>
-        </p:txBody>
-      </p:sp>
-      <p:sp>
-        <p:nvSpPr>
-          <p:cNvPr id="3" name="Content Placeholder 2">
-            <a:extLst>
-              <a:ext uri="{FF2B5EF4-FFF2-40B4-BE49-F238E27FC236}">
-                <a16:creationId xmlns:a16="http://schemas.microsoft.com/office/drawing/2014/main" id="{9CDECB5D-B3EA-4505-8C8B-86DF3E1C8DEB}"/>
-              </a:ext>
-            </a:extLst>
-          </p:cNvPr>
-          <p:cNvSpPr>
-            <a:spLocks noGrp="1"/>
-          </p:cNvSpPr>
-          <p:nvPr>
-            <p:ph idx="1"/>
-          </p:nvPr>
-        </p:nvSpPr>
-        <p:spPr>
-          <a:xfrm>
-            <a:off x="352090" y="1445052"/>
-            <a:ext cx="8596668" cy="3880773"/>
-          </a:xfrm>
-        </p:spPr>
-        <p:txBody>
-          <a:bodyPr vert="horz" lIns="91440" tIns="45720" rIns="91440" bIns="45720" rtlCol="0" anchor="t">
-            <a:normAutofit/>
-          </a:bodyPr>
-          <a:lstStyle/>
-          <a:p>
-            <a:r>
-              <a:rPr lang="en-US" dirty="0">
-                <a:ea typeface="+mn-lt"/>
-                <a:cs typeface="+mn-lt"/>
-              </a:rPr>
-              <a:t>By giving bundle offers like Dependents, Streaming TV shows, Internet.(All together but pay less)</a:t>
-            </a:r>
             <a:endParaRPr lang="en-US"/>
-          </a:p>
-          <a:p>
-            <a:r>
-              <a:rPr lang="en-US" dirty="0">
-                <a:ea typeface="+mn-lt"/>
-                <a:cs typeface="+mn-lt"/>
-              </a:rPr>
-              <a:t>By reducing monthly charges</a:t>
-            </a:r>
-            <a:endParaRPr lang="en-US" dirty="0"/>
-          </a:p>
-          <a:p>
-            <a:r>
-              <a:rPr lang="en-US" dirty="0">
-                <a:ea typeface="+mn-lt"/>
-                <a:cs typeface="+mn-lt"/>
-              </a:rPr>
-              <a:t>By giving additional offer incentives, if they sign up for more than 1 Year contract. (To avoid quick churn).</a:t>
-            </a:r>
-            <a:endParaRPr lang="en-US" dirty="0"/>
-          </a:p>
-          <a:p>
-            <a:r>
-              <a:rPr lang="en-US" dirty="0">
-                <a:ea typeface="+mn-lt"/>
-                <a:cs typeface="+mn-lt"/>
-              </a:rPr>
-              <a:t>Asking for feedback often from the customers</a:t>
-            </a:r>
-            <a:endParaRPr lang="en-US" dirty="0"/>
-          </a:p>
-          <a:p>
-            <a:r>
-              <a:rPr lang="en-US" dirty="0">
-                <a:ea typeface="+mn-lt"/>
-                <a:cs typeface="+mn-lt"/>
-              </a:rPr>
-              <a:t>By Providing excellent customer service.</a:t>
-            </a:r>
-            <a:endParaRPr lang="en-US" dirty="0"/>
-          </a:p>
-          <a:p>
-            <a:endParaRPr lang="en-US" dirty="0"/>
-          </a:p>
-        </p:txBody>
-      </p:sp>
-    </p:spTree>
-    <p:extLst>
-      <p:ext uri="{BB962C8B-B14F-4D97-AF65-F5344CB8AC3E}">
-        <p14:creationId xmlns:p14="http://schemas.microsoft.com/office/powerpoint/2010/main" val="2429067333"/>
-      </p:ext>
-    </p:extLst>
-  </p:cSld>
-  <p:clrMapOvr>
-    <a:masterClrMapping/>
-  </p:clrMapOvr>
-</p:sld>
-</file>
-
-<file path=ppt/slides/slide6.xml><?xml version="1.0" encoding="utf-8"?>
-<p:sld xmlns:a="http://schemas.openxmlformats.org/drawingml/2006/main" xmlns:r="http://schemas.openxmlformats.org/officeDocument/2006/relationships" xmlns:p="http://schemas.openxmlformats.org/presentationml/2006/main">
-  <p:cSld>
-    <p:spTree>
-      <p:nvGrpSpPr>
-        <p:cNvPr id="1" name=""/>
-        <p:cNvGrpSpPr/>
-        <p:nvPr/>
-      </p:nvGrpSpPr>
-      <p:grpSpPr>
-        <a:xfrm>
-          <a:off x="0" y="0"/>
-          <a:ext cx="0" cy="0"/>
-          <a:chOff x="0" y="0"/>
-          <a:chExt cx="0" cy="0"/>
-        </a:xfrm>
-      </p:grpSpPr>
-      <p:sp>
-        <p:nvSpPr>
-          <p:cNvPr id="2" name="Title 1">
-            <a:extLst>
-              <a:ext uri="{FF2B5EF4-FFF2-40B4-BE49-F238E27FC236}">
-                <a16:creationId xmlns:a16="http://schemas.microsoft.com/office/drawing/2014/main" id="{78BE9CBD-8B48-499D-A228-9752558C0998}"/>
-              </a:ext>
-            </a:extLst>
-          </p:cNvPr>
-          <p:cNvSpPr>
-            <a:spLocks noGrp="1"/>
-          </p:cNvSpPr>
-          <p:nvPr>
-            <p:ph type="title"/>
-          </p:nvPr>
-        </p:nvSpPr>
-        <p:spPr>
-          <a:xfrm>
-            <a:off x="795262" y="609600"/>
-            <a:ext cx="8478740" cy="522515"/>
-          </a:xfrm>
-        </p:spPr>
-        <p:txBody>
-          <a:bodyPr/>
-          <a:lstStyle/>
-          <a:p>
-            <a:r>
-              <a:rPr lang="en-US" sz="2400" b="1" dirty="0">
-                <a:solidFill>
-                  <a:schemeClr val="tx1"/>
-                </a:solidFill>
-                <a:latin typeface="Arial Black"/>
-              </a:rPr>
-              <a:t>Preprocessing</a:t>
-            </a:r>
-            <a:endParaRPr lang="en-US" sz="2400">
-              <a:solidFill>
-                <a:schemeClr val="tx1"/>
-              </a:solidFill>
-              <a:latin typeface="Arial Black"/>
-            </a:endParaRPr>
-          </a:p>
-          <a:p>
-            <a:endParaRPr lang="en-US" dirty="0"/>
           </a:p>
         </p:txBody>
       </p:sp>
@@ -8489,7 +8159,7 @@
 </p:sld>
 </file>
 
-<file path=ppt/slides/slide7.xml><?xml version="1.0" encoding="utf-8"?>
+<file path=ppt/slides/slide6.xml><?xml version="1.0" encoding="utf-8"?>
 <p:sld xmlns:a="http://schemas.openxmlformats.org/drawingml/2006/main" xmlns:r="http://schemas.openxmlformats.org/officeDocument/2006/relationships" xmlns:p="http://schemas.openxmlformats.org/presentationml/2006/main">
   <p:cSld>
     <p:spTree>
@@ -8535,7 +8205,7 @@
           <a:lstStyle/>
           <a:p>
             <a:r>
-              <a:rPr lang="en-US" sz="2000" b="1" dirty="0">
+              <a:rPr lang="en-US" sz="2000" b="1">
                 <a:solidFill>
                   <a:schemeClr val="tx1"/>
                 </a:solidFill>
@@ -8588,7 +8258,7 @@
 </p:sld>
 </file>
 
-<file path=ppt/slides/slide8.xml><?xml version="1.0" encoding="utf-8"?>
+<file path=ppt/slides/slide7.xml><?xml version="1.0" encoding="utf-8"?>
 <p:sld xmlns:a="http://schemas.openxmlformats.org/drawingml/2006/main" xmlns:r="http://schemas.openxmlformats.org/officeDocument/2006/relationships" xmlns:p="http://schemas.openxmlformats.org/presentationml/2006/main">
   <p:cSld>
     <p:spTree>
@@ -8634,7 +8304,7 @@
           <a:lstStyle/>
           <a:p>
             <a:r>
-              <a:rPr lang="en-US" sz="2400" b="1" dirty="0">
+              <a:rPr lang="en-US" sz="2400" b="1">
                 <a:solidFill>
                   <a:schemeClr val="tx1"/>
                 </a:solidFill>
@@ -8642,7 +8312,7 @@
               </a:rPr>
               <a:t>Encoding Categorical Features</a:t>
             </a:r>
-            <a:endParaRPr lang="en-US" sz="2400" dirty="0">
+            <a:endParaRPr lang="en-US" sz="2400">
               <a:solidFill>
                 <a:schemeClr val="tx1"/>
               </a:solidFill>
@@ -8651,7 +8321,7 @@
             </a:endParaRPr>
           </a:p>
           <a:p>
-            <a:endParaRPr lang="en-US" sz="2400" dirty="0"/>
+            <a:endParaRPr lang="en-US" sz="2400"/>
           </a:p>
         </p:txBody>
       </p:sp>
@@ -8697,7 +8367,7 @@
 </p:sld>
 </file>
 
-<file path=ppt/slides/slide9.xml><?xml version="1.0" encoding="utf-8"?>
+<file path=ppt/slides/slide8.xml><?xml version="1.0" encoding="utf-8"?>
 <p:sld xmlns:a="http://schemas.openxmlformats.org/drawingml/2006/main" xmlns:r="http://schemas.openxmlformats.org/officeDocument/2006/relationships" xmlns:p="http://schemas.openxmlformats.org/presentationml/2006/main">
   <p:cSld>
     <p:spTree>
@@ -8746,7 +8416,7 @@
               <a:buNone/>
             </a:pPr>
             <a:r>
-              <a:rPr lang="en-US" b="1" dirty="0">
+              <a:rPr lang="en-US" b="1">
                 <a:latin typeface="Arial Black"/>
               </a:rPr>
               <a:t>Summary about preprocessing steps:</a:t>
@@ -8759,13 +8429,13 @@
               <a:buChar char="v"/>
             </a:pPr>
             <a:r>
-              <a:rPr lang="en-US" dirty="0">
+              <a:rPr lang="en-US">
                 <a:ea typeface="+mn-lt"/>
                 <a:cs typeface="+mn-lt"/>
               </a:rPr>
               <a:t>There are no null values in this dataset.</a:t>
             </a:r>
-            <a:endParaRPr lang="en-US" dirty="0"/>
+            <a:endParaRPr lang="en-US"/>
           </a:p>
           <a:p>
             <a:pPr>
@@ -8773,13 +8443,13 @@
               <a:buChar char="v"/>
             </a:pPr>
             <a:r>
-              <a:rPr lang="en-US" dirty="0">
+              <a:rPr lang="en-US">
                 <a:ea typeface="+mn-lt"/>
                 <a:cs typeface="+mn-lt"/>
               </a:rPr>
               <a:t>Encoded 18 categorical columns</a:t>
             </a:r>
-            <a:endParaRPr lang="en-US" dirty="0"/>
+            <a:endParaRPr lang="en-US"/>
           </a:p>
           <a:p>
             <a:pPr>
@@ -8787,7 +8457,7 @@
               <a:buChar char="v"/>
             </a:pPr>
             <a:r>
-              <a:rPr lang="en-US" dirty="0">
+              <a:rPr lang="en-US">
                 <a:ea typeface="+mn-lt"/>
                 <a:cs typeface="+mn-lt"/>
               </a:rPr>
@@ -8800,16 +8470,16 @@
               <a:buChar char="v"/>
             </a:pPr>
             <a:r>
-              <a:rPr lang="en-US" dirty="0">
+              <a:rPr lang="en-US">
                 <a:ea typeface="+mn-lt"/>
                 <a:cs typeface="+mn-lt"/>
               </a:rPr>
               <a:t>Checked for outliers</a:t>
             </a:r>
-            <a:endParaRPr lang="en-US" dirty="0"/>
-          </a:p>
-          <a:p>
-            <a:endParaRPr lang="en-US" dirty="0"/>
+            <a:endParaRPr lang="en-US"/>
+          </a:p>
+          <a:p>
+            <a:endParaRPr lang="en-US"/>
           </a:p>
         </p:txBody>
       </p:sp>
@@ -8875,7 +8545,7 @@
           <a:lstStyle/>
           <a:p>
             <a:r>
-              <a:rPr lang="en-US" b="1" dirty="0">
+              <a:rPr lang="en-US" b="1">
                 <a:latin typeface="Arial Black"/>
               </a:rPr>
               <a:t>Checking for outliers</a:t>
@@ -8887,6 +8557,135 @@
     <p:extLst>
       <p:ext uri="{BB962C8B-B14F-4D97-AF65-F5344CB8AC3E}">
         <p14:creationId xmlns:p14="http://schemas.microsoft.com/office/powerpoint/2010/main" val="703524598"/>
+      </p:ext>
+    </p:extLst>
+  </p:cSld>
+  <p:clrMapOvr>
+    <a:masterClrMapping/>
+  </p:clrMapOvr>
+</p:sld>
+</file>
+
+<file path=ppt/slides/slide9.xml><?xml version="1.0" encoding="utf-8"?>
+<p:sld xmlns:a="http://schemas.openxmlformats.org/drawingml/2006/main" xmlns:r="http://schemas.openxmlformats.org/officeDocument/2006/relationships" xmlns:p="http://schemas.openxmlformats.org/presentationml/2006/main">
+  <p:cSld>
+    <p:spTree>
+      <p:nvGrpSpPr>
+        <p:cNvPr id="1" name=""/>
+        <p:cNvGrpSpPr/>
+        <p:nvPr/>
+      </p:nvGrpSpPr>
+      <p:grpSpPr>
+        <a:xfrm>
+          <a:off x="0" y="0"/>
+          <a:ext cx="0" cy="0"/>
+          <a:chOff x="0" y="0"/>
+          <a:chExt cx="0" cy="0"/>
+        </a:xfrm>
+      </p:grpSpPr>
+      <p:sp>
+        <p:nvSpPr>
+          <p:cNvPr id="2" name="Title 1">
+            <a:extLst>
+              <a:ext uri="{FF2B5EF4-FFF2-40B4-BE49-F238E27FC236}">
+                <a16:creationId xmlns:a16="http://schemas.microsoft.com/office/drawing/2014/main" id="{8F6D6CC1-EB05-49EA-BED4-D05F4D0657F2}"/>
+              </a:ext>
+            </a:extLst>
+          </p:cNvPr>
+          <p:cNvSpPr>
+            <a:spLocks noGrp="1"/>
+          </p:cNvSpPr>
+          <p:nvPr>
+            <p:ph type="title"/>
+          </p:nvPr>
+        </p:nvSpPr>
+        <p:spPr>
+          <a:xfrm>
+            <a:off x="677334" y="609600"/>
+            <a:ext cx="8596668" cy="568093"/>
+          </a:xfrm>
+        </p:spPr>
+        <p:txBody>
+          <a:bodyPr>
+            <a:normAutofit/>
+          </a:bodyPr>
+          <a:lstStyle/>
+          <a:p>
+            <a:r>
+              <a:rPr lang="en-US" sz="2400">
+                <a:solidFill>
+                  <a:schemeClr val="tx1"/>
+                </a:solidFill>
+                <a:latin typeface="Arial Black"/>
+              </a:rPr>
+              <a:t>It is an Imbalanced Dataset</a:t>
+            </a:r>
+          </a:p>
+        </p:txBody>
+      </p:sp>
+      <p:pic>
+        <p:nvPicPr>
+          <p:cNvPr id="4" name="Picture 4" descr="Chart, pie chart&#10;&#10;Description automatically generated">
+            <a:extLst>
+              <a:ext uri="{FF2B5EF4-FFF2-40B4-BE49-F238E27FC236}">
+                <a16:creationId xmlns:a16="http://schemas.microsoft.com/office/drawing/2014/main" id="{0C644892-8CA6-4E89-A34D-A4DDEDF495BD}"/>
+              </a:ext>
+            </a:extLst>
+          </p:cNvPr>
+          <p:cNvPicPr>
+            <a:picLocks noGrp="1" noChangeAspect="1"/>
+          </p:cNvPicPr>
+          <p:nvPr>
+            <p:ph idx="1"/>
+          </p:nvPr>
+        </p:nvPicPr>
+        <p:blipFill>
+          <a:blip r:embed="rId2"/>
+          <a:stretch>
+            <a:fillRect/>
+          </a:stretch>
+        </p:blipFill>
+        <p:spPr>
+          <a:xfrm>
+            <a:off x="288012" y="1710410"/>
+            <a:ext cx="3635530" cy="3443868"/>
+          </a:xfrm>
+        </p:spPr>
+      </p:pic>
+      <p:pic>
+        <p:nvPicPr>
+          <p:cNvPr id="5" name="Picture 5" descr="Graphical user interface, text, application, email&#10;&#10;Description automatically generated">
+            <a:extLst>
+              <a:ext uri="{FF2B5EF4-FFF2-40B4-BE49-F238E27FC236}">
+                <a16:creationId xmlns:a16="http://schemas.microsoft.com/office/drawing/2014/main" id="{5A74A2E1-C2F1-4107-913C-F8B62D65FB6F}"/>
+              </a:ext>
+            </a:extLst>
+          </p:cNvPr>
+          <p:cNvPicPr>
+            <a:picLocks noChangeAspect="1"/>
+          </p:cNvPicPr>
+          <p:nvPr/>
+        </p:nvPicPr>
+        <p:blipFill>
+          <a:blip r:embed="rId3"/>
+          <a:stretch>
+            <a:fillRect/>
+          </a:stretch>
+        </p:blipFill>
+        <p:spPr>
+          <a:xfrm>
+            <a:off x="3925230" y="1372057"/>
+            <a:ext cx="6255834" cy="4538473"/>
+          </a:xfrm>
+          <a:prstGeom prst="rect">
+            <a:avLst/>
+          </a:prstGeom>
+        </p:spPr>
+      </p:pic>
+    </p:spTree>
+    <p:extLst>
+      <p:ext uri="{BB962C8B-B14F-4D97-AF65-F5344CB8AC3E}">
+        <p14:creationId xmlns:p14="http://schemas.microsoft.com/office/powerpoint/2010/main" val="3795040443"/>
       </p:ext>
     </p:extLst>
   </p:cSld>
